--- a/GrpProject3.pptx
+++ b/GrpProject3.pptx
@@ -111,6 +111,11 @@
       </a:defRPr>
     </a:lvl9pPr>
   </p:defaultTextStyle>
+  <p:extLst>
+    <p:ext uri="{EFAFB233-063F-42B5-8137-9DF3F51BA10A}">
+      <p15:sldGuideLst xmlns:p15="http://schemas.microsoft.com/office/powerpoint/2012/main"/>
+    </p:ext>
+  </p:extLst>
 </p:presentation>
 </file>
 
@@ -277,7 +282,7 @@
           <a:p>
             <a:fld id="{48A87A34-81AB-432B-8DAE-1953F412C126}" type="datetimeFigureOut">
               <a:rPr lang="en-US" smtClean="0"/>
-              <a:t>10/12/22</a:t>
+              <a:t>10/13/22</a:t>
             </a:fld>
             <a:endParaRPr lang="en-US" dirty="0"/>
           </a:p>
@@ -447,7 +452,7 @@
           <a:p>
             <a:fld id="{48A87A34-81AB-432B-8DAE-1953F412C126}" type="datetimeFigureOut">
               <a:rPr lang="en-US" smtClean="0"/>
-              <a:t>10/12/22</a:t>
+              <a:t>10/13/22</a:t>
             </a:fld>
             <a:endParaRPr lang="en-US" dirty="0"/>
           </a:p>
@@ -627,7 +632,7 @@
           <a:p>
             <a:fld id="{48A87A34-81AB-432B-8DAE-1953F412C126}" type="datetimeFigureOut">
               <a:rPr lang="en-US" smtClean="0"/>
-              <a:t>10/12/22</a:t>
+              <a:t>10/13/22</a:t>
             </a:fld>
             <a:endParaRPr lang="en-US" dirty="0"/>
           </a:p>
@@ -797,7 +802,7 @@
           <a:p>
             <a:fld id="{48A87A34-81AB-432B-8DAE-1953F412C126}" type="datetimeFigureOut">
               <a:rPr lang="en-US" smtClean="0"/>
-              <a:t>10/12/22</a:t>
+              <a:t>10/13/22</a:t>
             </a:fld>
             <a:endParaRPr lang="en-US" dirty="0"/>
           </a:p>
@@ -1065,7 +1070,7 @@
           <a:p>
             <a:fld id="{48A87A34-81AB-432B-8DAE-1953F412C126}" type="datetimeFigureOut">
               <a:rPr lang="en-US" smtClean="0"/>
-              <a:t>10/12/22</a:t>
+              <a:t>10/13/22</a:t>
             </a:fld>
             <a:endParaRPr lang="en-US" dirty="0"/>
           </a:p>
@@ -1297,7 +1302,7 @@
           <a:p>
             <a:fld id="{48A87A34-81AB-432B-8DAE-1953F412C126}" type="datetimeFigureOut">
               <a:rPr lang="en-US" smtClean="0"/>
-              <a:t>10/12/22</a:t>
+              <a:t>10/13/22</a:t>
             </a:fld>
             <a:endParaRPr lang="en-US" dirty="0"/>
           </a:p>
@@ -1657,7 +1662,7 @@
             <a:fld id="{48A87A34-81AB-432B-8DAE-1953F412C126}" type="datetimeFigureOut">
               <a:rPr lang="en-US" smtClean="0"/>
               <a:pPr/>
-              <a:t>10/12/22</a:t>
+              <a:t>10/13/22</a:t>
             </a:fld>
             <a:endParaRPr lang="en-US" dirty="0"/>
           </a:p>
@@ -1799,7 +1804,7 @@
           <a:p>
             <a:fld id="{48A87A34-81AB-432B-8DAE-1953F412C126}" type="datetimeFigureOut">
               <a:rPr lang="en-US" smtClean="0"/>
-              <a:t>10/12/22</a:t>
+              <a:t>10/13/22</a:t>
             </a:fld>
             <a:endParaRPr lang="en-US" dirty="0"/>
           </a:p>
@@ -1894,7 +1899,7 @@
           <a:p>
             <a:fld id="{48A87A34-81AB-432B-8DAE-1953F412C126}" type="datetimeFigureOut">
               <a:rPr lang="en-US" smtClean="0"/>
-              <a:t>10/12/22</a:t>
+              <a:t>10/13/22</a:t>
             </a:fld>
             <a:endParaRPr lang="en-US" dirty="0"/>
           </a:p>
@@ -2251,7 +2256,7 @@
           <a:p>
             <a:fld id="{48A87A34-81AB-432B-8DAE-1953F412C126}" type="datetimeFigureOut">
               <a:rPr lang="en-US" smtClean="0"/>
-              <a:t>10/12/22</a:t>
+              <a:t>10/13/22</a:t>
             </a:fld>
             <a:endParaRPr lang="en-US" dirty="0"/>
           </a:p>
@@ -2608,7 +2613,7 @@
           <a:p>
             <a:fld id="{48A87A34-81AB-432B-8DAE-1953F412C126}" type="datetimeFigureOut">
               <a:rPr lang="en-US" smtClean="0"/>
-              <a:t>10/12/22</a:t>
+              <a:t>10/13/22</a:t>
             </a:fld>
             <a:endParaRPr lang="en-US" dirty="0"/>
           </a:p>
@@ -2851,7 +2856,7 @@
             <a:fld id="{48A87A34-81AB-432B-8DAE-1953F412C126}" type="datetimeFigureOut">
               <a:rPr lang="en-US" smtClean="0"/>
               <a:pPr/>
-              <a:t>10/12/22</a:t>
+              <a:t>10/13/22</a:t>
             </a:fld>
             <a:endParaRPr lang="en-US" dirty="0"/>
           </a:p>
@@ -4154,7 +4159,10 @@
           </a:bodyPr>
           <a:lstStyle/>
           <a:p>
-            <a:endParaRPr lang="en-US"/>
+            <a:r>
+              <a:rPr lang="en-US" dirty="0"/>
+              <a:t>Creating an SQLite powered Flask server to generate visualizations explaining US refugee volumes from 1980.</a:t>
+            </a:r>
           </a:p>
         </p:txBody>
       </p:sp>
@@ -4353,10 +4361,106 @@
           </a:bodyPr>
           <a:lstStyle/>
           <a:p>
-            <a:endParaRPr lang="en-US">
+            <a:r>
+              <a:rPr lang="en-US" dirty="0">
+                <a:solidFill>
+                  <a:srgbClr val="1D1C1D"/>
+                </a:solidFill>
+                <a:latin typeface="Slack-Lato"/>
+              </a:rPr>
+              <a:t>R</a:t>
+            </a:r>
+            <a:r>
+              <a:rPr lang="en-US" b="0" i="0" dirty="0">
+                <a:solidFill>
+                  <a:srgbClr val="1D1C1D"/>
+                </a:solidFill>
+                <a:effectLst/>
+                <a:latin typeface="Slack-Lato"/>
+              </a:rPr>
+              <a:t>efugees are migrants seeking entry from a third country who demonstrate …they have been persecuted, or … fear persecution, on … one of five “protected grounds”: </a:t>
+            </a:r>
+          </a:p>
+          <a:p>
+            <a:pPr lvl="1"/>
+            <a:r>
+              <a:rPr lang="en-US" b="0" i="0" dirty="0">
+                <a:solidFill>
+                  <a:srgbClr val="1D1C1D"/>
+                </a:solidFill>
+                <a:effectLst/>
+                <a:latin typeface="Slack-Lato"/>
+              </a:rPr>
+              <a:t>race, </a:t>
+            </a:r>
+          </a:p>
+          <a:p>
+            <a:pPr lvl="1"/>
+            <a:r>
+              <a:rPr lang="en-US" b="0" i="0" dirty="0">
+                <a:solidFill>
+                  <a:srgbClr val="1D1C1D"/>
+                </a:solidFill>
+                <a:effectLst/>
+                <a:latin typeface="Slack-Lato"/>
+              </a:rPr>
+              <a:t>religion, </a:t>
+            </a:r>
+          </a:p>
+          <a:p>
+            <a:pPr lvl="1"/>
+            <a:r>
+              <a:rPr lang="en-US" b="0" i="0" dirty="0">
+                <a:solidFill>
+                  <a:srgbClr val="1D1C1D"/>
+                </a:solidFill>
+                <a:effectLst/>
+                <a:latin typeface="Slack-Lato"/>
+              </a:rPr>
+              <a:t>nationality, </a:t>
+            </a:r>
+          </a:p>
+          <a:p>
+            <a:pPr lvl="1"/>
+            <a:r>
+              <a:rPr lang="en-US" b="0" i="0" dirty="0">
+                <a:solidFill>
+                  <a:srgbClr val="1D1C1D"/>
+                </a:solidFill>
+                <a:effectLst/>
+                <a:latin typeface="Slack-Lato"/>
+              </a:rPr>
+              <a:t>political opinion, or </a:t>
+            </a:r>
+          </a:p>
+          <a:p>
+            <a:pPr lvl="1"/>
+            <a:r>
+              <a:rPr lang="en-US" b="0" i="0" dirty="0">
+                <a:solidFill>
+                  <a:srgbClr val="1D1C1D"/>
+                </a:solidFill>
+                <a:effectLst/>
+                <a:latin typeface="Slack-Lato"/>
+              </a:rPr>
+              <a:t>membership in a particular social group.</a:t>
+            </a:r>
+            <a:endParaRPr lang="en-US" b="0" i="0" dirty="0">
               <a:solidFill>
                 <a:srgbClr val="404040"/>
               </a:solidFill>
+              <a:effectLst/>
+              <a:latin typeface="Slack-Lato"/>
+            </a:endParaRPr>
+          </a:p>
+          <a:p>
+            <a:pPr lvl="1"/>
+            <a:endParaRPr lang="en-US" b="0" i="0" dirty="0">
+              <a:solidFill>
+                <a:srgbClr val="1D1C1D"/>
+              </a:solidFill>
+              <a:effectLst/>
+              <a:latin typeface="Slack-Lato"/>
             </a:endParaRPr>
           </a:p>
         </p:txBody>
@@ -4742,12 +4846,12 @@
           <a:lstStyle/>
           <a:p>
             <a:r>
-              <a:rPr lang="en-US" sz="2300">
+              <a:rPr lang="en-US" sz="2300" dirty="0">
                 <a:solidFill>
                   <a:srgbClr val="FFFFFF"/>
                 </a:solidFill>
               </a:rPr>
-              <a:t>Path 1: Refugee Program since ###### Act passed in 1980</a:t>
+              <a:t>Refugee arrivals since the refugee Act of 1980 was passed</a:t>
             </a:r>
           </a:p>
         </p:txBody>
@@ -5074,11 +5178,14 @@
           </a:bodyPr>
           <a:lstStyle/>
           <a:p>
-            <a:endParaRPr lang="en-US">
-              <a:solidFill>
-                <a:srgbClr val="404040"/>
-              </a:solidFill>
-            </a:endParaRPr>
+            <a:r>
+              <a:rPr lang="en-US" dirty="0">
+                <a:solidFill>
+                  <a:srgbClr val="404040"/>
+                </a:solidFill>
+              </a:rPr>
+              <a:t>These are individuals located in the United States asking for asylum, either in person when they arrive at the border or when they are in deportation proceedings as a defense to deportation. </a:t>
+            </a:r>
           </a:p>
         </p:txBody>
       </p:sp>
@@ -5501,7 +5608,10 @@
           </a:bodyPr>
           <a:lstStyle/>
           <a:p>
-            <a:endParaRPr lang="en-US"/>
+            <a:r>
+              <a:rPr lang="en-US" dirty="0"/>
+              <a:t>Just pick the highs and lows </a:t>
+            </a:r>
           </a:p>
         </p:txBody>
       </p:sp>
@@ -5700,11 +5810,14 @@
           </a:bodyPr>
           <a:lstStyle/>
           <a:p>
-            <a:endParaRPr lang="en-US">
-              <a:solidFill>
-                <a:srgbClr val="404040"/>
-              </a:solidFill>
-            </a:endParaRPr>
+            <a:r>
+              <a:rPr lang="en-US" dirty="0">
+                <a:solidFill>
+                  <a:srgbClr val="404040"/>
+                </a:solidFill>
+              </a:rPr>
+              <a:t>Getting the flask server to work as a nightmare, a living nightmare.</a:t>
+            </a:r>
           </a:p>
         </p:txBody>
       </p:sp>
@@ -6139,30 +6252,69 @@
             </a:r>
           </a:p>
           <a:p>
+            <a:pPr lvl="1"/>
+            <a:r>
+              <a:rPr lang="en-US" b="0" i="0" u="none" strike="noStrike" dirty="0">
+                <a:effectLst/>
+                <a:latin typeface="Slack-Lato"/>
+                <a:hlinkClick r:id="rId2"/>
+              </a:rPr>
+              <a:t>https://www.cfr.org/backgrounder/how-does-us-refugee-system-work-trump-biden-afgha[…]svXmamp2Fe6quIkaAjem-jj9iEUJzhlOR_MhvuWwD5mFHAjrPYaAqFuEALw_wcB</a:t>
+            </a:r>
+            <a:endParaRPr lang="en-US" b="0" i="0" u="none" strike="noStrike" dirty="0">
+              <a:effectLst/>
+              <a:latin typeface="Slack-Lato"/>
+            </a:endParaRPr>
+          </a:p>
+          <a:p>
+            <a:pPr lvl="1"/>
             <a:r>
               <a:rPr lang="en-US" dirty="0">
                 <a:solidFill>
                   <a:srgbClr val="404040"/>
                 </a:solidFill>
+                <a:hlinkClick r:id="rId3"/>
               </a:rPr>
-              <a:t>https://</a:t>
-            </a:r>
-            <a:r>
-              <a:rPr lang="en-US" dirty="0" err="1">
-                <a:solidFill>
-                  <a:srgbClr val="404040"/>
-                </a:solidFill>
-              </a:rPr>
-              <a:t>usafacts.org</a:t>
-            </a:r>
+              <a:t>https://www.dhs.gov/immigration-statistics/refugees-asylees</a:t>
+            </a:r>
+            <a:endParaRPr lang="en-US" dirty="0">
+              <a:solidFill>
+                <a:srgbClr val="404040"/>
+              </a:solidFill>
+            </a:endParaRPr>
+          </a:p>
+          <a:p>
+            <a:pPr lvl="1"/>
             <a:r>
               <a:rPr lang="en-US" dirty="0">
                 <a:solidFill>
                   <a:srgbClr val="404040"/>
                 </a:solidFill>
+                <a:hlinkClick r:id="rId4"/>
               </a:rPr>
-              <a:t>/data/topics/people-society/immigration/</a:t>
-            </a:r>
+              <a:t>https://usafacts.org/data/topics/people-society/immigration/</a:t>
+            </a:r>
+            <a:endParaRPr lang="en-US" dirty="0">
+              <a:solidFill>
+                <a:srgbClr val="404040"/>
+              </a:solidFill>
+            </a:endParaRPr>
+          </a:p>
+          <a:p>
+            <a:pPr lvl="1"/>
+            <a:endParaRPr lang="en-US" dirty="0">
+              <a:solidFill>
+                <a:srgbClr val="404040"/>
+              </a:solidFill>
+            </a:endParaRPr>
+          </a:p>
+          <a:p>
+            <a:pPr lvl="1"/>
+            <a:endParaRPr lang="en-US" dirty="0">
+              <a:solidFill>
+                <a:srgbClr val="404040"/>
+              </a:solidFill>
+            </a:endParaRPr>
           </a:p>
         </p:txBody>
       </p:sp>

--- a/GrpProject3.pptx
+++ b/GrpProject3.pptx
@@ -111,7 +111,41 @@
       </a:defRPr>
     </a:lvl9pPr>
   </p:defaultTextStyle>
+  <p:extLst>
+    <p:ext uri="{EFAFB233-063F-42B5-8137-9DF3F51BA10A}">
+      <p15:sldGuideLst xmlns:p15="http://schemas.microsoft.com/office/powerpoint/2012/main"/>
+    </p:ext>
+  </p:extLst>
 </p:presentation>
+</file>
+
+<file path=ppt/changesInfos/changesInfo1.xml><?xml version="1.0" encoding="utf-8"?>
+<pc:chgInfo xmlns:a="http://schemas.openxmlformats.org/drawingml/2006/main" xmlns:r="http://schemas.openxmlformats.org/officeDocument/2006/relationships" xmlns:ac="http://schemas.microsoft.com/office/drawing/2013/main/command" xmlns:pc="http://schemas.microsoft.com/office/powerpoint/2013/main/command">
+  <pc:docChgLst>
+    <pc:chgData name="Allie Carlile" userId="5e6dca08242ebeca" providerId="LiveId" clId="{3053CE57-D715-4B6C-9333-8705C3CB9BEC}"/>
+    <pc:docChg chg="custSel modSld">
+      <pc:chgData name="Allie Carlile" userId="5e6dca08242ebeca" providerId="LiveId" clId="{3053CE57-D715-4B6C-9333-8705C3CB9BEC}" dt="2022-10-14T00:50:45.401" v="1272" actId="20577"/>
+      <pc:docMkLst>
+        <pc:docMk/>
+      </pc:docMkLst>
+      <pc:sldChg chg="modSp mod">
+        <pc:chgData name="Allie Carlile" userId="5e6dca08242ebeca" providerId="LiveId" clId="{3053CE57-D715-4B6C-9333-8705C3CB9BEC}" dt="2022-10-14T00:50:45.401" v="1272" actId="20577"/>
+        <pc:sldMkLst>
+          <pc:docMk/>
+          <pc:sldMk cId="2906763550" sldId="257"/>
+        </pc:sldMkLst>
+        <pc:spChg chg="mod">
+          <ac:chgData name="Allie Carlile" userId="5e6dca08242ebeca" providerId="LiveId" clId="{3053CE57-D715-4B6C-9333-8705C3CB9BEC}" dt="2022-10-14T00:50:45.401" v="1272" actId="20577"/>
+          <ac:spMkLst>
+            <pc:docMk/>
+            <pc:sldMk cId="2906763550" sldId="257"/>
+            <ac:spMk id="3" creationId="{06E25E72-A020-6842-F361-BC4486BA18E2}"/>
+          </ac:spMkLst>
+        </pc:spChg>
+      </pc:sldChg>
+    </pc:docChg>
+  </pc:docChgLst>
+</pc:chgInfo>
 </file>
 
 <file path=ppt/slideLayouts/slideLayout1.xml><?xml version="1.0" encoding="utf-8"?>
@@ -277,7 +311,7 @@
           <a:p>
             <a:fld id="{48A87A34-81AB-432B-8DAE-1953F412C126}" type="datetimeFigureOut">
               <a:rPr lang="en-US" smtClean="0"/>
-              <a:t>10/12/22</a:t>
+              <a:t>10/13/2022</a:t>
             </a:fld>
             <a:endParaRPr lang="en-US" dirty="0"/>
           </a:p>
@@ -447,7 +481,7 @@
           <a:p>
             <a:fld id="{48A87A34-81AB-432B-8DAE-1953F412C126}" type="datetimeFigureOut">
               <a:rPr lang="en-US" smtClean="0"/>
-              <a:t>10/12/22</a:t>
+              <a:t>10/13/2022</a:t>
             </a:fld>
             <a:endParaRPr lang="en-US" dirty="0"/>
           </a:p>
@@ -627,7 +661,7 @@
           <a:p>
             <a:fld id="{48A87A34-81AB-432B-8DAE-1953F412C126}" type="datetimeFigureOut">
               <a:rPr lang="en-US" smtClean="0"/>
-              <a:t>10/12/22</a:t>
+              <a:t>10/13/2022</a:t>
             </a:fld>
             <a:endParaRPr lang="en-US" dirty="0"/>
           </a:p>
@@ -797,7 +831,7 @@
           <a:p>
             <a:fld id="{48A87A34-81AB-432B-8DAE-1953F412C126}" type="datetimeFigureOut">
               <a:rPr lang="en-US" smtClean="0"/>
-              <a:t>10/12/22</a:t>
+              <a:t>10/13/2022</a:t>
             </a:fld>
             <a:endParaRPr lang="en-US" dirty="0"/>
           </a:p>
@@ -1065,7 +1099,7 @@
           <a:p>
             <a:fld id="{48A87A34-81AB-432B-8DAE-1953F412C126}" type="datetimeFigureOut">
               <a:rPr lang="en-US" smtClean="0"/>
-              <a:t>10/12/22</a:t>
+              <a:t>10/13/2022</a:t>
             </a:fld>
             <a:endParaRPr lang="en-US" dirty="0"/>
           </a:p>
@@ -1297,7 +1331,7 @@
           <a:p>
             <a:fld id="{48A87A34-81AB-432B-8DAE-1953F412C126}" type="datetimeFigureOut">
               <a:rPr lang="en-US" smtClean="0"/>
-              <a:t>10/12/22</a:t>
+              <a:t>10/13/2022</a:t>
             </a:fld>
             <a:endParaRPr lang="en-US" dirty="0"/>
           </a:p>
@@ -1657,7 +1691,7 @@
             <a:fld id="{48A87A34-81AB-432B-8DAE-1953F412C126}" type="datetimeFigureOut">
               <a:rPr lang="en-US" smtClean="0"/>
               <a:pPr/>
-              <a:t>10/12/22</a:t>
+              <a:t>10/13/2022</a:t>
             </a:fld>
             <a:endParaRPr lang="en-US" dirty="0"/>
           </a:p>
@@ -1799,7 +1833,7 @@
           <a:p>
             <a:fld id="{48A87A34-81AB-432B-8DAE-1953F412C126}" type="datetimeFigureOut">
               <a:rPr lang="en-US" smtClean="0"/>
-              <a:t>10/12/22</a:t>
+              <a:t>10/13/2022</a:t>
             </a:fld>
             <a:endParaRPr lang="en-US" dirty="0"/>
           </a:p>
@@ -1894,7 +1928,7 @@
           <a:p>
             <a:fld id="{48A87A34-81AB-432B-8DAE-1953F412C126}" type="datetimeFigureOut">
               <a:rPr lang="en-US" smtClean="0"/>
-              <a:t>10/12/22</a:t>
+              <a:t>10/13/2022</a:t>
             </a:fld>
             <a:endParaRPr lang="en-US" dirty="0"/>
           </a:p>
@@ -2251,7 +2285,7 @@
           <a:p>
             <a:fld id="{48A87A34-81AB-432B-8DAE-1953F412C126}" type="datetimeFigureOut">
               <a:rPr lang="en-US" smtClean="0"/>
-              <a:t>10/12/22</a:t>
+              <a:t>10/13/2022</a:t>
             </a:fld>
             <a:endParaRPr lang="en-US" dirty="0"/>
           </a:p>
@@ -2608,7 +2642,7 @@
           <a:p>
             <a:fld id="{48A87A34-81AB-432B-8DAE-1953F412C126}" type="datetimeFigureOut">
               <a:rPr lang="en-US" smtClean="0"/>
-              <a:t>10/12/22</a:t>
+              <a:t>10/13/2022</a:t>
             </a:fld>
             <a:endParaRPr lang="en-US" dirty="0"/>
           </a:p>
@@ -2851,7 +2885,7 @@
             <a:fld id="{48A87A34-81AB-432B-8DAE-1953F412C126}" type="datetimeFigureOut">
               <a:rPr lang="en-US" smtClean="0"/>
               <a:pPr/>
-              <a:t>10/12/22</a:t>
+              <a:t>10/13/2022</a:t>
             </a:fld>
             <a:endParaRPr lang="en-US" dirty="0"/>
           </a:p>
@@ -4154,7 +4188,18 @@
           </a:bodyPr>
           <a:lstStyle/>
           <a:p>
-            <a:endParaRPr lang="en-US"/>
+            <a:r>
+              <a:rPr lang="en-US" dirty="0"/>
+              <a:t>This project examines U.S. immigration from 1990-2021, focusing on affirmative and defensive asylum seekers. Using a line graph, stacked </a:t>
+            </a:r>
+            <a:r>
+              <a:rPr lang="en-US" dirty="0" err="1"/>
+              <a:t>barchart</a:t>
+            </a:r>
+            <a:r>
+              <a:rPr lang="en-US" dirty="0"/>
+              <a:t>, and choropleth map, we can see that the numbers of people entering the U.S. seeking asylum are unexpectedly low. </a:t>
+            </a:r>
           </a:p>
         </p:txBody>
       </p:sp>

--- a/GrpProject3.pptx
+++ b/GrpProject3.pptx
@@ -7,12 +7,13 @@
   <p:sldIdLst>
     <p:sldId id="256" r:id="rId2"/>
     <p:sldId id="257" r:id="rId3"/>
-    <p:sldId id="258" r:id="rId4"/>
+    <p:sldId id="264" r:id="rId4"/>
     <p:sldId id="259" r:id="rId5"/>
-    <p:sldId id="260" r:id="rId6"/>
-    <p:sldId id="261" r:id="rId7"/>
-    <p:sldId id="262" r:id="rId8"/>
-    <p:sldId id="263" r:id="rId9"/>
+    <p:sldId id="258" r:id="rId6"/>
+    <p:sldId id="260" r:id="rId7"/>
+    <p:sldId id="261" r:id="rId8"/>
+    <p:sldId id="262" r:id="rId9"/>
+    <p:sldId id="263" r:id="rId10"/>
   </p:sldIdLst>
   <p:sldSz cx="12192000" cy="6858000"/>
   <p:notesSz cx="6858000" cy="9144000"/>
@@ -311,7 +312,7 @@
           <a:p>
             <a:fld id="{48A87A34-81AB-432B-8DAE-1953F412C126}" type="datetimeFigureOut">
               <a:rPr lang="en-US" smtClean="0"/>
-              <a:t>10/13/2022</a:t>
+              <a:t>10/17/22</a:t>
             </a:fld>
             <a:endParaRPr lang="en-US" dirty="0"/>
           </a:p>
@@ -481,7 +482,7 @@
           <a:p>
             <a:fld id="{48A87A34-81AB-432B-8DAE-1953F412C126}" type="datetimeFigureOut">
               <a:rPr lang="en-US" smtClean="0"/>
-              <a:t>10/13/2022</a:t>
+              <a:t>10/17/22</a:t>
             </a:fld>
             <a:endParaRPr lang="en-US" dirty="0"/>
           </a:p>
@@ -661,7 +662,7 @@
           <a:p>
             <a:fld id="{48A87A34-81AB-432B-8DAE-1953F412C126}" type="datetimeFigureOut">
               <a:rPr lang="en-US" smtClean="0"/>
-              <a:t>10/13/2022</a:t>
+              <a:t>10/17/22</a:t>
             </a:fld>
             <a:endParaRPr lang="en-US" dirty="0"/>
           </a:p>
@@ -831,7 +832,7 @@
           <a:p>
             <a:fld id="{48A87A34-81AB-432B-8DAE-1953F412C126}" type="datetimeFigureOut">
               <a:rPr lang="en-US" smtClean="0"/>
-              <a:t>10/13/2022</a:t>
+              <a:t>10/17/22</a:t>
             </a:fld>
             <a:endParaRPr lang="en-US" dirty="0"/>
           </a:p>
@@ -1099,7 +1100,7 @@
           <a:p>
             <a:fld id="{48A87A34-81AB-432B-8DAE-1953F412C126}" type="datetimeFigureOut">
               <a:rPr lang="en-US" smtClean="0"/>
-              <a:t>10/13/2022</a:t>
+              <a:t>10/17/22</a:t>
             </a:fld>
             <a:endParaRPr lang="en-US" dirty="0"/>
           </a:p>
@@ -1331,7 +1332,7 @@
           <a:p>
             <a:fld id="{48A87A34-81AB-432B-8DAE-1953F412C126}" type="datetimeFigureOut">
               <a:rPr lang="en-US" smtClean="0"/>
-              <a:t>10/13/2022</a:t>
+              <a:t>10/17/22</a:t>
             </a:fld>
             <a:endParaRPr lang="en-US" dirty="0"/>
           </a:p>
@@ -1691,7 +1692,7 @@
             <a:fld id="{48A87A34-81AB-432B-8DAE-1953F412C126}" type="datetimeFigureOut">
               <a:rPr lang="en-US" smtClean="0"/>
               <a:pPr/>
-              <a:t>10/13/2022</a:t>
+              <a:t>10/17/22</a:t>
             </a:fld>
             <a:endParaRPr lang="en-US" dirty="0"/>
           </a:p>
@@ -1833,7 +1834,7 @@
           <a:p>
             <a:fld id="{48A87A34-81AB-432B-8DAE-1953F412C126}" type="datetimeFigureOut">
               <a:rPr lang="en-US" smtClean="0"/>
-              <a:t>10/13/2022</a:t>
+              <a:t>10/17/22</a:t>
             </a:fld>
             <a:endParaRPr lang="en-US" dirty="0"/>
           </a:p>
@@ -1928,7 +1929,7 @@
           <a:p>
             <a:fld id="{48A87A34-81AB-432B-8DAE-1953F412C126}" type="datetimeFigureOut">
               <a:rPr lang="en-US" smtClean="0"/>
-              <a:t>10/13/2022</a:t>
+              <a:t>10/17/22</a:t>
             </a:fld>
             <a:endParaRPr lang="en-US" dirty="0"/>
           </a:p>
@@ -2285,7 +2286,7 @@
           <a:p>
             <a:fld id="{48A87A34-81AB-432B-8DAE-1953F412C126}" type="datetimeFigureOut">
               <a:rPr lang="en-US" smtClean="0"/>
-              <a:t>10/13/2022</a:t>
+              <a:t>10/17/22</a:t>
             </a:fld>
             <a:endParaRPr lang="en-US" dirty="0"/>
           </a:p>
@@ -2642,7 +2643,7 @@
           <a:p>
             <a:fld id="{48A87A34-81AB-432B-8DAE-1953F412C126}" type="datetimeFigureOut">
               <a:rPr lang="en-US" smtClean="0"/>
-              <a:t>10/13/2022</a:t>
+              <a:t>10/17/22</a:t>
             </a:fld>
             <a:endParaRPr lang="en-US" dirty="0"/>
           </a:p>
@@ -2885,7 +2886,7 @@
             <a:fld id="{48A87A34-81AB-432B-8DAE-1953F412C126}" type="datetimeFigureOut">
               <a:rPr lang="en-US" smtClean="0"/>
               <a:pPr/>
-              <a:t>10/13/2022</a:t>
+              <a:t>10/17/22</a:t>
             </a:fld>
             <a:endParaRPr lang="en-US" dirty="0"/>
           </a:p>
@@ -4222,9 +4223,7 @@
     <p:bg>
       <p:bgPr>
         <a:solidFill>
-          <a:schemeClr val="bg1">
-            <a:lumMod val="95000"/>
-          </a:schemeClr>
+          <a:schemeClr val="accent2"/>
         </a:solidFill>
         <a:effectLst/>
       </p:bgPr>
@@ -4245,10 +4244,55 @@
       </p:grpSpPr>
       <p:sp>
         <p:nvSpPr>
-          <p:cNvPr id="17" name="Rectangle 16">
+          <p:cNvPr id="2" name="Title 1">
             <a:extLst>
               <a:ext uri="{FF2B5EF4-FFF2-40B4-BE49-F238E27FC236}">
-                <a16:creationId xmlns:a16="http://schemas.microsoft.com/office/drawing/2014/main" id="{23530FE0-C542-45A1-BCD8-935787009C64}"/>
+                <a16:creationId xmlns:a16="http://schemas.microsoft.com/office/drawing/2014/main" id="{08F9C1EB-30A6-65E8-0C1C-3F90D2531FF6}"/>
+              </a:ext>
+            </a:extLst>
+          </p:cNvPr>
+          <p:cNvSpPr>
+            <a:spLocks noGrp="1"/>
+          </p:cNvSpPr>
+          <p:nvPr>
+            <p:ph type="title"/>
+          </p:nvPr>
+        </p:nvSpPr>
+        <p:spPr>
+          <a:xfrm>
+            <a:off x="829781" y="2708804"/>
+            <a:ext cx="3698803" cy="1440394"/>
+          </a:xfrm>
+          <a:noFill/>
+          <a:ln>
+            <a:solidFill>
+              <a:schemeClr val="tx1"/>
+            </a:solidFill>
+          </a:ln>
+        </p:spPr>
+        <p:txBody>
+          <a:bodyPr>
+            <a:normAutofit/>
+          </a:bodyPr>
+          <a:lstStyle/>
+          <a:p>
+            <a:r>
+              <a:rPr lang="en-US" sz="2400" dirty="0">
+                <a:solidFill>
+                  <a:schemeClr val="tx1"/>
+                </a:solidFill>
+              </a:rPr>
+              <a:t>Refugees: 5 protected grounds</a:t>
+            </a:r>
+          </a:p>
+        </p:txBody>
+      </p:sp>
+      <p:sp>
+        <p:nvSpPr>
+          <p:cNvPr id="8" name="Rectangle 7">
+            <a:extLst>
+              <a:ext uri="{FF2B5EF4-FFF2-40B4-BE49-F238E27FC236}">
+                <a16:creationId xmlns:a16="http://schemas.microsoft.com/office/drawing/2014/main" id="{FB403EBD-907E-4D59-98D4-A72CD1063C62}"/>
               </a:ext>
               <a:ext uri="{C183D7F6-B498-43B3-948B-1728B52AA6E4}">
                 <adec:decorative xmlns:adec="http://schemas.microsoft.com/office/drawing/2017/decorative" val="1"/>
@@ -4268,78 +4312,16 @@
         </p:nvSpPr>
         <p:spPr>
           <a:xfrm>
-            <a:off x="643351" y="640080"/>
-            <a:ext cx="8924024" cy="5200996"/>
-          </a:xfrm>
-          <a:prstGeom prst="rect">
-            <a:avLst/>
-          </a:prstGeom>
-          <a:noFill/>
-          <a:ln w="31750" cap="sq">
-            <a:solidFill>
-              <a:srgbClr val="FFFFFF"/>
-            </a:solidFill>
-            <a:miter lim="800000"/>
-          </a:ln>
-        </p:spPr>
-        <p:style>
-          <a:lnRef idx="2">
-            <a:schemeClr val="accent1">
-              <a:shade val="50000"/>
-            </a:schemeClr>
-          </a:lnRef>
-          <a:fillRef idx="1">
-            <a:schemeClr val="accent1"/>
-          </a:fillRef>
-          <a:effectRef idx="0">
-            <a:schemeClr val="accent1"/>
-          </a:effectRef>
-          <a:fontRef idx="minor">
-            <a:schemeClr val="lt1"/>
-          </a:fontRef>
-        </p:style>
-        <p:txBody>
-          <a:bodyPr rtlCol="0" anchor="ctr"/>
-          <a:lstStyle/>
-          <a:p>
-            <a:pPr algn="ctr"/>
-            <a:endParaRPr lang="en-US" dirty="0"/>
-          </a:p>
-        </p:txBody>
-      </p:sp>
-      <p:sp>
-        <p:nvSpPr>
-          <p:cNvPr id="19" name="Rectangle 18">
-            <a:extLst>
-              <a:ext uri="{FF2B5EF4-FFF2-40B4-BE49-F238E27FC236}">
-                <a16:creationId xmlns:a16="http://schemas.microsoft.com/office/drawing/2014/main" id="{F2A658D9-F185-44F1-BA33-D50320D1D078}"/>
-              </a:ext>
-              <a:ext uri="{C183D7F6-B498-43B3-948B-1728B52AA6E4}">
-                <adec:decorative xmlns:adec="http://schemas.microsoft.com/office/drawing/2017/decorative" val="1"/>
-              </a:ext>
-            </a:extLst>
-          </p:cNvPr>
-          <p:cNvSpPr>
-            <a:spLocks noGrp="1" noRot="1" noChangeAspect="1" noMove="1" noResize="1" noEditPoints="1" noAdjustHandles="1" noChangeArrowheads="1" noChangeShapeType="1" noTextEdit="1"/>
-          </p:cNvSpPr>
-          <p:nvPr>
-            <p:extLst>
-              <p:ext uri="{386F3935-93C4-4BCD-93E2-E3B085C9AB24}">
-                <p16:designElem xmlns:p16="http://schemas.microsoft.com/office/powerpoint/2015/main" val="1"/>
-              </p:ext>
-            </p:extLst>
-          </p:nvPr>
-        </p:nvSpPr>
-        <p:spPr>
-          <a:xfrm>
-            <a:off x="830543" y="825096"/>
-            <a:ext cx="8549640" cy="4830965"/>
+            <a:off x="5315061" y="-2"/>
+            <a:ext cx="6876939" cy="6858002"/>
           </a:xfrm>
           <a:prstGeom prst="rect">
             <a:avLst/>
           </a:prstGeom>
           <a:solidFill>
-            <a:srgbClr val="FFFFFF"/>
+            <a:schemeClr val="tx1">
+              <a:lumMod val="95000"/>
+            </a:schemeClr>
           </a:solidFill>
           <a:ln>
             <a:noFill/>
@@ -4375,7 +4357,7 @@
           <p:cNvPr id="3" name="Content Placeholder 2">
             <a:extLst>
               <a:ext uri="{FF2B5EF4-FFF2-40B4-BE49-F238E27FC236}">
-                <a16:creationId xmlns:a16="http://schemas.microsoft.com/office/drawing/2014/main" id="{33138371-5D24-15E5-8364-C47DBE3132BC}"/>
+                <a16:creationId xmlns:a16="http://schemas.microsoft.com/office/drawing/2014/main" id="{BC80DAC7-4EE9-BFB5-4BEE-E7108AF0F61D}"/>
               </a:ext>
             </a:extLst>
           </p:cNvPr>
@@ -4388,8 +4370,8 @@
         </p:nvSpPr>
         <p:spPr>
           <a:xfrm>
-            <a:off x="1316984" y="1283546"/>
-            <a:ext cx="5715917" cy="3914063"/>
+            <a:off x="6049182" y="802638"/>
+            <a:ext cx="5408696" cy="5252722"/>
           </a:xfrm>
         </p:spPr>
         <p:txBody>
@@ -4398,123 +4380,53 @@
           </a:bodyPr>
           <a:lstStyle/>
           <a:p>
-            <a:endParaRPr lang="en-US">
-              <a:solidFill>
-                <a:srgbClr val="404040"/>
-              </a:solidFill>
-            </a:endParaRPr>
-          </a:p>
-        </p:txBody>
-      </p:sp>
-      <p:sp>
-        <p:nvSpPr>
-          <p:cNvPr id="21" name="Oval 20">
-            <a:extLst>
-              <a:ext uri="{FF2B5EF4-FFF2-40B4-BE49-F238E27FC236}">
-                <a16:creationId xmlns:a16="http://schemas.microsoft.com/office/drawing/2014/main" id="{BAC87F6E-526A-49B5-995D-42DB656594C9}"/>
-              </a:ext>
-              <a:ext uri="{C183D7F6-B498-43B3-948B-1728B52AA6E4}">
-                <adec:decorative xmlns:adec="http://schemas.microsoft.com/office/drawing/2017/decorative" val="1"/>
-              </a:ext>
-            </a:extLst>
-          </p:cNvPr>
-          <p:cNvSpPr>
-            <a:spLocks noGrp="1" noRot="1" noChangeAspect="1" noMove="1" noResize="1" noEditPoints="1" noAdjustHandles="1" noChangeArrowheads="1" noChangeShapeType="1" noTextEdit="1"/>
-          </p:cNvSpPr>
-          <p:nvPr>
-            <p:extLst>
-              <p:ext uri="{386F3935-93C4-4BCD-93E2-E3B085C9AB24}">
-                <p16:designElem xmlns:p16="http://schemas.microsoft.com/office/powerpoint/2015/main" val="1"/>
-              </p:ext>
-            </p:extLst>
-          </p:nvPr>
-        </p:nvSpPr>
-        <p:spPr>
-          <a:xfrm>
-            <a:off x="7576718" y="1443035"/>
-            <a:ext cx="3971932" cy="3971930"/>
-          </a:xfrm>
-          <a:prstGeom prst="ellipse">
-            <a:avLst/>
-          </a:prstGeom>
-          <a:solidFill>
-            <a:srgbClr val="FFFFFF"/>
-          </a:solidFill>
-          <a:ln w="31750">
-            <a:solidFill>
-              <a:schemeClr val="accent2"/>
-            </a:solidFill>
-          </a:ln>
-        </p:spPr>
-        <p:style>
-          <a:lnRef idx="2">
-            <a:schemeClr val="accent1">
-              <a:shade val="50000"/>
-            </a:schemeClr>
-          </a:lnRef>
-          <a:fillRef idx="1">
-            <a:schemeClr val="accent1"/>
-          </a:fillRef>
-          <a:effectRef idx="0">
-            <a:schemeClr val="accent1"/>
-          </a:effectRef>
-          <a:fontRef idx="minor">
-            <a:schemeClr val="lt1"/>
-          </a:fontRef>
-        </p:style>
-        <p:txBody>
-          <a:bodyPr rtlCol="0" anchor="ctr"/>
-          <a:lstStyle/>
-          <a:p>
-            <a:pPr algn="ctr"/>
-            <a:endParaRPr lang="en-US"/>
-          </a:p>
-        </p:txBody>
-      </p:sp>
-      <p:sp>
-        <p:nvSpPr>
-          <p:cNvPr id="2" name="Title 1">
-            <a:extLst>
-              <a:ext uri="{FF2B5EF4-FFF2-40B4-BE49-F238E27FC236}">
-                <a16:creationId xmlns:a16="http://schemas.microsoft.com/office/drawing/2014/main" id="{7FE07B88-307C-50ED-8027-948B34AD35E7}"/>
-              </a:ext>
-            </a:extLst>
-          </p:cNvPr>
-          <p:cNvSpPr>
-            <a:spLocks noGrp="1"/>
-          </p:cNvSpPr>
-          <p:nvPr>
-            <p:ph type="title"/>
-          </p:nvPr>
-        </p:nvSpPr>
-        <p:spPr>
-          <a:xfrm>
-            <a:off x="7720168" y="1586484"/>
-            <a:ext cx="3685032" cy="3685032"/>
-          </a:xfrm>
-          <a:prstGeom prst="ellipse">
-            <a:avLst/>
-          </a:prstGeom>
-          <a:solidFill>
-            <a:schemeClr val="accent2"/>
-          </a:solidFill>
-          <a:ln>
-            <a:noFill/>
-          </a:ln>
-        </p:spPr>
-        <p:txBody>
-          <a:bodyPr>
-            <a:normAutofit/>
-          </a:bodyPr>
-          <a:lstStyle/>
-          <a:p>
-            <a:r>
-              <a:rPr lang="en-US" sz="2300">
+            <a:r>
+              <a:rPr lang="en-US" dirty="0">
                 <a:solidFill>
-                  <a:srgbClr val="FFFFFF"/>
+                  <a:schemeClr val="bg1"/>
                 </a:solidFill>
               </a:rPr>
-              <a:t>Asylum Seekers, individuals, and refugees</a:t>
+              <a:t>RACE</a:t>
+            </a:r>
+          </a:p>
+          <a:p>
+            <a:r>
+              <a:rPr lang="en-US" dirty="0">
+                <a:solidFill>
+                  <a:schemeClr val="bg1"/>
+                </a:solidFill>
+              </a:rPr>
+              <a:t>RELIGION</a:t>
+            </a:r>
+          </a:p>
+          <a:p>
+            <a:r>
+              <a:rPr lang="en-US" dirty="0">
+                <a:solidFill>
+                  <a:schemeClr val="bg1"/>
+                </a:solidFill>
+              </a:rPr>
+              <a:t>NATIONALITY</a:t>
+            </a:r>
+          </a:p>
+          <a:p>
+            <a:r>
+              <a:rPr lang="en-US" dirty="0">
+                <a:solidFill>
+                  <a:schemeClr val="bg1"/>
+                </a:solidFill>
+              </a:rPr>
+              <a:t>POLITICAL OPINION</a:t>
+            </a:r>
+          </a:p>
+          <a:p>
+            <a:r>
+              <a:rPr lang="en-US" dirty="0">
+                <a:solidFill>
+                  <a:schemeClr val="bg1"/>
+                </a:solidFill>
+              </a:rPr>
+              <a:t>MEMBERSHIP IN A PARTICULAR SOCIAL GROUP</a:t>
             </a:r>
           </a:p>
         </p:txBody>
@@ -4522,12 +4434,12 @@
     </p:spTree>
     <p:extLst>
       <p:ext uri="{BB962C8B-B14F-4D97-AF65-F5344CB8AC3E}">
-        <p14:creationId xmlns:p14="http://schemas.microsoft.com/office/powerpoint/2010/main" val="3722998230"/>
+        <p14:creationId xmlns:p14="http://schemas.microsoft.com/office/powerpoint/2010/main" val="1228010319"/>
       </p:ext>
     </p:extLst>
   </p:cSld>
   <p:clrMapOvr>
-    <a:masterClrMapping/>
+    <a:overrideClrMapping bg1="dk1" tx1="lt1" bg2="dk2" tx2="lt2" accent1="accent1" accent2="accent2" accent3="accent3" accent4="accent4" accent5="accent5" accent6="accent6" hlink="hlink" folHlink="folHlink"/>
   </p:clrMapOvr>
 </p:sld>
 </file>
@@ -4787,12 +4699,12 @@
           <a:lstStyle/>
           <a:p>
             <a:r>
-              <a:rPr lang="en-US" sz="2300">
+              <a:rPr lang="en-US" sz="2300" dirty="0">
                 <a:solidFill>
                   <a:srgbClr val="FFFFFF"/>
                 </a:solidFill>
               </a:rPr>
-              <a:t>Path 1: Refugee Program since ###### Act passed in 1980</a:t>
+              <a:t>Path 1: Refugee Program since The refugee Act of 1980 passed</a:t>
             </a:r>
           </a:p>
         </p:txBody>
@@ -4832,6 +4744,36 @@
           </a:p>
         </p:txBody>
       </p:sp>
+      <p:pic>
+        <p:nvPicPr>
+          <p:cNvPr id="5" name="Picture 4" descr="Chart, line chart&#10;&#10;Description automatically generated">
+            <a:extLst>
+              <a:ext uri="{FF2B5EF4-FFF2-40B4-BE49-F238E27FC236}">
+                <a16:creationId xmlns:a16="http://schemas.microsoft.com/office/drawing/2014/main" id="{94B627C3-ACA8-9B8B-D56B-ACF98608B046}"/>
+              </a:ext>
+            </a:extLst>
+          </p:cNvPr>
+          <p:cNvPicPr>
+            <a:picLocks noChangeAspect="1"/>
+          </p:cNvPicPr>
+          <p:nvPr/>
+        </p:nvPicPr>
+        <p:blipFill>
+          <a:blip r:embed="rId2"/>
+          <a:stretch>
+            <a:fillRect/>
+          </a:stretch>
+        </p:blipFill>
+        <p:spPr>
+          <a:xfrm>
+            <a:off x="5591693" y="825197"/>
+            <a:ext cx="5482883" cy="4307702"/>
+          </a:xfrm>
+          <a:prstGeom prst="rect">
+            <a:avLst/>
+          </a:prstGeom>
+        </p:spPr>
+      </p:pic>
     </p:spTree>
     <p:extLst>
       <p:ext uri="{BB962C8B-B14F-4D97-AF65-F5344CB8AC3E}">
@@ -5093,42 +5035,6 @@
       </p:sp>
       <p:sp>
         <p:nvSpPr>
-          <p:cNvPr id="3" name="Content Placeholder 2">
-            <a:extLst>
-              <a:ext uri="{FF2B5EF4-FFF2-40B4-BE49-F238E27FC236}">
-                <a16:creationId xmlns:a16="http://schemas.microsoft.com/office/drawing/2014/main" id="{5E9E7ACD-C1E7-13F6-0204-BAA251CA24FB}"/>
-              </a:ext>
-            </a:extLst>
-          </p:cNvPr>
-          <p:cNvSpPr>
-            <a:spLocks noGrp="1"/>
-          </p:cNvSpPr>
-          <p:nvPr>
-            <p:ph idx="1"/>
-          </p:nvPr>
-        </p:nvSpPr>
-        <p:spPr>
-          <a:xfrm>
-            <a:off x="1316984" y="1283546"/>
-            <a:ext cx="5715917" cy="3914063"/>
-          </a:xfrm>
-        </p:spPr>
-        <p:txBody>
-          <a:bodyPr anchor="ctr">
-            <a:normAutofit/>
-          </a:bodyPr>
-          <a:lstStyle/>
-          <a:p>
-            <a:endParaRPr lang="en-US">
-              <a:solidFill>
-                <a:srgbClr val="404040"/>
-              </a:solidFill>
-            </a:endParaRPr>
-          </a:p>
-        </p:txBody>
-      </p:sp>
-      <p:sp>
-        <p:nvSpPr>
           <p:cNvPr id="21" name="Oval 20">
             <a:extLst>
               <a:ext uri="{FF2B5EF4-FFF2-40B4-BE49-F238E27FC236}">
@@ -5197,7 +5103,7 @@
           <p:cNvPr id="2" name="Title 1">
             <a:extLst>
               <a:ext uri="{FF2B5EF4-FFF2-40B4-BE49-F238E27FC236}">
-                <a16:creationId xmlns:a16="http://schemas.microsoft.com/office/drawing/2014/main" id="{8953DF4D-4AC5-8AFA-2E2B-DFB50F1E557F}"/>
+                <a16:creationId xmlns:a16="http://schemas.microsoft.com/office/drawing/2014/main" id="{7FE07B88-307C-50ED-8027-948B34AD35E7}"/>
               </a:ext>
             </a:extLst>
           </p:cNvPr>
@@ -5230,6 +5136,439 @@
           <a:lstStyle/>
           <a:p>
             <a:r>
+              <a:rPr lang="en-US" sz="2300">
+                <a:solidFill>
+                  <a:srgbClr val="FFFFFF"/>
+                </a:solidFill>
+              </a:rPr>
+              <a:t>Asylum Seekers, individuals, and refugees</a:t>
+            </a:r>
+          </a:p>
+        </p:txBody>
+      </p:sp>
+      <p:graphicFrame>
+        <p:nvGraphicFramePr>
+          <p:cNvPr id="10" name="Table 10">
+            <a:extLst>
+              <a:ext uri="{FF2B5EF4-FFF2-40B4-BE49-F238E27FC236}">
+                <a16:creationId xmlns:a16="http://schemas.microsoft.com/office/drawing/2014/main" id="{F1AEF8A4-766E-BF7C-B18D-6BC4FE36143F}"/>
+              </a:ext>
+            </a:extLst>
+          </p:cNvPr>
+          <p:cNvGraphicFramePr>
+            <a:graphicFrameLocks noGrp="1"/>
+          </p:cNvGraphicFramePr>
+          <p:nvPr>
+            <p:ph idx="1"/>
+            <p:extLst>
+              <p:ext uri="{D42A27DB-BD31-4B8C-83A1-F6EECF244321}">
+                <p14:modId xmlns:p14="http://schemas.microsoft.com/office/powerpoint/2010/main" val="650621462"/>
+              </p:ext>
+            </p:extLst>
+          </p:nvPr>
+        </p:nvGraphicFramePr>
+        <p:xfrm>
+          <a:off x="2230438" y="1586483"/>
+          <a:ext cx="4408902" cy="3474720"/>
+        </p:xfrm>
+        <a:graphic>
+          <a:graphicData uri="http://schemas.openxmlformats.org/drawingml/2006/table">
+            <a:tbl>
+              <a:tblPr>
+                <a:tableStyleId>{073A0DAA-6AF3-43AB-8588-CEC1D06C72B9}</a:tableStyleId>
+              </a:tblPr>
+              <a:tblGrid>
+                <a:gridCol w="2204451">
+                  <a:extLst>
+                    <a:ext uri="{9D8B030D-6E8A-4147-A177-3AD203B41FA5}">
+                      <a16:colId xmlns:a16="http://schemas.microsoft.com/office/drawing/2014/main" val="653536221"/>
+                    </a:ext>
+                  </a:extLst>
+                </a:gridCol>
+                <a:gridCol w="2204451">
+                  <a:extLst>
+                    <a:ext uri="{9D8B030D-6E8A-4147-A177-3AD203B41FA5}">
+                      <a16:colId xmlns:a16="http://schemas.microsoft.com/office/drawing/2014/main" val="1509607981"/>
+                    </a:ext>
+                  </a:extLst>
+                </a:gridCol>
+              </a:tblGrid>
+              <a:tr h="1487789">
+                <a:tc>
+                  <a:txBody>
+                    <a:bodyPr/>
+                    <a:lstStyle/>
+                    <a:p>
+                      <a:r>
+                        <a:rPr lang="en-US" dirty="0"/>
+                        <a:t>Refugees- In a third country, seeking migration, qualifies under 5 protected grounds.</a:t>
+                      </a:r>
+                    </a:p>
+                  </a:txBody>
+                  <a:tcPr/>
+                </a:tc>
+                <a:tc>
+                  <a:txBody>
+                    <a:bodyPr/>
+                    <a:lstStyle/>
+                    <a:p>
+                      <a:r>
+                        <a:rPr lang="en-US" dirty="0"/>
+                        <a:t>Individuals – Not within US borders, not seeking migration, not seeking to change visa status.</a:t>
+                      </a:r>
+                    </a:p>
+                  </a:txBody>
+                  <a:tcPr/>
+                </a:tc>
+                <a:extLst>
+                  <a:ext uri="{0D108BD9-81ED-4DB2-BD59-A6C34878D82A}">
+                    <a16:rowId xmlns:a16="http://schemas.microsoft.com/office/drawing/2014/main" val="3892186042"/>
+                  </a:ext>
+                </a:extLst>
+              </a:tr>
+              <a:tr h="1487789">
+                <a:tc>
+                  <a:txBody>
+                    <a:bodyPr/>
+                    <a:lstStyle/>
+                    <a:p>
+                      <a:r>
+                        <a:rPr lang="en-US" dirty="0"/>
+                        <a:t>Asylum Seeker-Defensive- Within the US border, in deportation, seeking asylum as defense against deportation.</a:t>
+                      </a:r>
+                    </a:p>
+                  </a:txBody>
+                  <a:tcPr/>
+                </a:tc>
+                <a:tc>
+                  <a:txBody>
+                    <a:bodyPr/>
+                    <a:lstStyle/>
+                    <a:p>
+                      <a:r>
+                        <a:rPr lang="en-US" dirty="0"/>
+                        <a:t>Asylum Seeker: Affirmative – Within the US border, fits within 5 protected grounds, seeks to change status.</a:t>
+                      </a:r>
+                    </a:p>
+                  </a:txBody>
+                  <a:tcPr/>
+                </a:tc>
+                <a:extLst>
+                  <a:ext uri="{0D108BD9-81ED-4DB2-BD59-A6C34878D82A}">
+                    <a16:rowId xmlns:a16="http://schemas.microsoft.com/office/drawing/2014/main" val="346484630"/>
+                  </a:ext>
+                </a:extLst>
+              </a:tr>
+            </a:tbl>
+          </a:graphicData>
+        </a:graphic>
+      </p:graphicFrame>
+    </p:spTree>
+    <p:extLst>
+      <p:ext uri="{BB962C8B-B14F-4D97-AF65-F5344CB8AC3E}">
+        <p14:creationId xmlns:p14="http://schemas.microsoft.com/office/powerpoint/2010/main" val="3722998230"/>
+      </p:ext>
+    </p:extLst>
+  </p:cSld>
+  <p:clrMapOvr>
+    <a:masterClrMapping/>
+  </p:clrMapOvr>
+</p:sld>
+</file>
+
+<file path=ppt/slides/slide6.xml><?xml version="1.0" encoding="utf-8"?>
+<p:sld xmlns:a="http://schemas.openxmlformats.org/drawingml/2006/main" xmlns:r="http://schemas.openxmlformats.org/officeDocument/2006/relationships" xmlns:p="http://schemas.openxmlformats.org/presentationml/2006/main">
+  <p:cSld>
+    <p:bg>
+      <p:bgPr>
+        <a:solidFill>
+          <a:schemeClr val="bg1">
+            <a:lumMod val="95000"/>
+          </a:schemeClr>
+        </a:solidFill>
+        <a:effectLst/>
+      </p:bgPr>
+    </p:bg>
+    <p:spTree>
+      <p:nvGrpSpPr>
+        <p:cNvPr id="1" name=""/>
+        <p:cNvGrpSpPr/>
+        <p:nvPr/>
+      </p:nvGrpSpPr>
+      <p:grpSpPr>
+        <a:xfrm>
+          <a:off x="0" y="0"/>
+          <a:ext cx="0" cy="0"/>
+          <a:chOff x="0" y="0"/>
+          <a:chExt cx="0" cy="0"/>
+        </a:xfrm>
+      </p:grpSpPr>
+      <p:sp>
+        <p:nvSpPr>
+          <p:cNvPr id="17" name="Rectangle 16">
+            <a:extLst>
+              <a:ext uri="{FF2B5EF4-FFF2-40B4-BE49-F238E27FC236}">
+                <a16:creationId xmlns:a16="http://schemas.microsoft.com/office/drawing/2014/main" id="{23530FE0-C542-45A1-BCD8-935787009C64}"/>
+              </a:ext>
+              <a:ext uri="{C183D7F6-B498-43B3-948B-1728B52AA6E4}">
+                <adec:decorative xmlns:adec="http://schemas.microsoft.com/office/drawing/2017/decorative" val="1"/>
+              </a:ext>
+            </a:extLst>
+          </p:cNvPr>
+          <p:cNvSpPr>
+            <a:spLocks noGrp="1" noRot="1" noChangeAspect="1" noMove="1" noResize="1" noEditPoints="1" noAdjustHandles="1" noChangeArrowheads="1" noChangeShapeType="1" noTextEdit="1"/>
+          </p:cNvSpPr>
+          <p:nvPr>
+            <p:extLst>
+              <p:ext uri="{386F3935-93C4-4BCD-93E2-E3B085C9AB24}">
+                <p16:designElem xmlns:p16="http://schemas.microsoft.com/office/powerpoint/2015/main" val="1"/>
+              </p:ext>
+            </p:extLst>
+          </p:nvPr>
+        </p:nvSpPr>
+        <p:spPr>
+          <a:xfrm>
+            <a:off x="643351" y="640080"/>
+            <a:ext cx="8924024" cy="5200996"/>
+          </a:xfrm>
+          <a:prstGeom prst="rect">
+            <a:avLst/>
+          </a:prstGeom>
+          <a:noFill/>
+          <a:ln w="31750" cap="sq">
+            <a:solidFill>
+              <a:srgbClr val="FFFFFF"/>
+            </a:solidFill>
+            <a:miter lim="800000"/>
+          </a:ln>
+        </p:spPr>
+        <p:style>
+          <a:lnRef idx="2">
+            <a:schemeClr val="accent1">
+              <a:shade val="50000"/>
+            </a:schemeClr>
+          </a:lnRef>
+          <a:fillRef idx="1">
+            <a:schemeClr val="accent1"/>
+          </a:fillRef>
+          <a:effectRef idx="0">
+            <a:schemeClr val="accent1"/>
+          </a:effectRef>
+          <a:fontRef idx="minor">
+            <a:schemeClr val="lt1"/>
+          </a:fontRef>
+        </p:style>
+        <p:txBody>
+          <a:bodyPr rtlCol="0" anchor="ctr"/>
+          <a:lstStyle/>
+          <a:p>
+            <a:pPr algn="ctr"/>
+            <a:endParaRPr lang="en-US" dirty="0"/>
+          </a:p>
+        </p:txBody>
+      </p:sp>
+      <p:sp>
+        <p:nvSpPr>
+          <p:cNvPr id="19" name="Rectangle 18">
+            <a:extLst>
+              <a:ext uri="{FF2B5EF4-FFF2-40B4-BE49-F238E27FC236}">
+                <a16:creationId xmlns:a16="http://schemas.microsoft.com/office/drawing/2014/main" id="{F2A658D9-F185-44F1-BA33-D50320D1D078}"/>
+              </a:ext>
+              <a:ext uri="{C183D7F6-B498-43B3-948B-1728B52AA6E4}">
+                <adec:decorative xmlns:adec="http://schemas.microsoft.com/office/drawing/2017/decorative" val="1"/>
+              </a:ext>
+            </a:extLst>
+          </p:cNvPr>
+          <p:cNvSpPr>
+            <a:spLocks noGrp="1" noRot="1" noChangeAspect="1" noMove="1" noResize="1" noEditPoints="1" noAdjustHandles="1" noChangeArrowheads="1" noChangeShapeType="1" noTextEdit="1"/>
+          </p:cNvSpPr>
+          <p:nvPr>
+            <p:extLst>
+              <p:ext uri="{386F3935-93C4-4BCD-93E2-E3B085C9AB24}">
+                <p16:designElem xmlns:p16="http://schemas.microsoft.com/office/powerpoint/2015/main" val="1"/>
+              </p:ext>
+            </p:extLst>
+          </p:nvPr>
+        </p:nvSpPr>
+        <p:spPr>
+          <a:xfrm>
+            <a:off x="830543" y="825096"/>
+            <a:ext cx="8549640" cy="4830965"/>
+          </a:xfrm>
+          <a:prstGeom prst="rect">
+            <a:avLst/>
+          </a:prstGeom>
+          <a:solidFill>
+            <a:srgbClr val="FFFFFF"/>
+          </a:solidFill>
+          <a:ln>
+            <a:noFill/>
+          </a:ln>
+        </p:spPr>
+        <p:style>
+          <a:lnRef idx="2">
+            <a:schemeClr val="accent1">
+              <a:shade val="50000"/>
+            </a:schemeClr>
+          </a:lnRef>
+          <a:fillRef idx="1">
+            <a:schemeClr val="accent1"/>
+          </a:fillRef>
+          <a:effectRef idx="0">
+            <a:schemeClr val="accent1"/>
+          </a:effectRef>
+          <a:fontRef idx="minor">
+            <a:schemeClr val="lt1"/>
+          </a:fontRef>
+        </p:style>
+        <p:txBody>
+          <a:bodyPr rtlCol="0" anchor="ctr"/>
+          <a:lstStyle/>
+          <a:p>
+            <a:pPr algn="ctr"/>
+            <a:endParaRPr lang="en-US"/>
+          </a:p>
+        </p:txBody>
+      </p:sp>
+      <p:sp>
+        <p:nvSpPr>
+          <p:cNvPr id="3" name="Content Placeholder 2">
+            <a:extLst>
+              <a:ext uri="{FF2B5EF4-FFF2-40B4-BE49-F238E27FC236}">
+                <a16:creationId xmlns:a16="http://schemas.microsoft.com/office/drawing/2014/main" id="{5E9E7ACD-C1E7-13F6-0204-BAA251CA24FB}"/>
+              </a:ext>
+            </a:extLst>
+          </p:cNvPr>
+          <p:cNvSpPr>
+            <a:spLocks noGrp="1"/>
+          </p:cNvSpPr>
+          <p:nvPr>
+            <p:ph idx="1"/>
+          </p:nvPr>
+        </p:nvSpPr>
+        <p:spPr>
+          <a:xfrm>
+            <a:off x="1316984" y="1283546"/>
+            <a:ext cx="5715917" cy="3914063"/>
+          </a:xfrm>
+        </p:spPr>
+        <p:txBody>
+          <a:bodyPr anchor="ctr">
+            <a:normAutofit/>
+          </a:bodyPr>
+          <a:lstStyle/>
+          <a:p>
+            <a:endParaRPr lang="en-US">
+              <a:solidFill>
+                <a:srgbClr val="404040"/>
+              </a:solidFill>
+            </a:endParaRPr>
+          </a:p>
+        </p:txBody>
+      </p:sp>
+      <p:sp>
+        <p:nvSpPr>
+          <p:cNvPr id="21" name="Oval 20">
+            <a:extLst>
+              <a:ext uri="{FF2B5EF4-FFF2-40B4-BE49-F238E27FC236}">
+                <a16:creationId xmlns:a16="http://schemas.microsoft.com/office/drawing/2014/main" id="{BAC87F6E-526A-49B5-995D-42DB656594C9}"/>
+              </a:ext>
+              <a:ext uri="{C183D7F6-B498-43B3-948B-1728B52AA6E4}">
+                <adec:decorative xmlns:adec="http://schemas.microsoft.com/office/drawing/2017/decorative" val="1"/>
+              </a:ext>
+            </a:extLst>
+          </p:cNvPr>
+          <p:cNvSpPr>
+            <a:spLocks noGrp="1" noRot="1" noChangeAspect="1" noMove="1" noResize="1" noEditPoints="1" noAdjustHandles="1" noChangeArrowheads="1" noChangeShapeType="1" noTextEdit="1"/>
+          </p:cNvSpPr>
+          <p:nvPr>
+            <p:extLst>
+              <p:ext uri="{386F3935-93C4-4BCD-93E2-E3B085C9AB24}">
+                <p16:designElem xmlns:p16="http://schemas.microsoft.com/office/powerpoint/2015/main" val="1"/>
+              </p:ext>
+            </p:extLst>
+          </p:nvPr>
+        </p:nvSpPr>
+        <p:spPr>
+          <a:xfrm>
+            <a:off x="7576718" y="1443035"/>
+            <a:ext cx="3971932" cy="3971930"/>
+          </a:xfrm>
+          <a:prstGeom prst="ellipse">
+            <a:avLst/>
+          </a:prstGeom>
+          <a:solidFill>
+            <a:srgbClr val="FFFFFF"/>
+          </a:solidFill>
+          <a:ln w="31750">
+            <a:solidFill>
+              <a:schemeClr val="accent2"/>
+            </a:solidFill>
+          </a:ln>
+        </p:spPr>
+        <p:style>
+          <a:lnRef idx="2">
+            <a:schemeClr val="accent1">
+              <a:shade val="50000"/>
+            </a:schemeClr>
+          </a:lnRef>
+          <a:fillRef idx="1">
+            <a:schemeClr val="accent1"/>
+          </a:fillRef>
+          <a:effectRef idx="0">
+            <a:schemeClr val="accent1"/>
+          </a:effectRef>
+          <a:fontRef idx="minor">
+            <a:schemeClr val="lt1"/>
+          </a:fontRef>
+        </p:style>
+        <p:txBody>
+          <a:bodyPr rtlCol="0" anchor="ctr"/>
+          <a:lstStyle/>
+          <a:p>
+            <a:pPr algn="ctr"/>
+            <a:endParaRPr lang="en-US"/>
+          </a:p>
+        </p:txBody>
+      </p:sp>
+      <p:sp>
+        <p:nvSpPr>
+          <p:cNvPr id="2" name="Title 1">
+            <a:extLst>
+              <a:ext uri="{FF2B5EF4-FFF2-40B4-BE49-F238E27FC236}">
+                <a16:creationId xmlns:a16="http://schemas.microsoft.com/office/drawing/2014/main" id="{8953DF4D-4AC5-8AFA-2E2B-DFB50F1E557F}"/>
+              </a:ext>
+            </a:extLst>
+          </p:cNvPr>
+          <p:cNvSpPr>
+            <a:spLocks noGrp="1"/>
+          </p:cNvSpPr>
+          <p:nvPr>
+            <p:ph type="title"/>
+          </p:nvPr>
+        </p:nvSpPr>
+        <p:spPr>
+          <a:xfrm>
+            <a:off x="7720168" y="1586484"/>
+            <a:ext cx="3685032" cy="3685032"/>
+          </a:xfrm>
+          <a:prstGeom prst="ellipse">
+            <a:avLst/>
+          </a:prstGeom>
+          <a:solidFill>
+            <a:schemeClr val="accent2"/>
+          </a:solidFill>
+          <a:ln>
+            <a:noFill/>
+          </a:ln>
+        </p:spPr>
+        <p:txBody>
+          <a:bodyPr>
+            <a:normAutofit/>
+          </a:bodyPr>
+          <a:lstStyle/>
+          <a:p>
+            <a:r>
               <a:rPr lang="en-US" sz="2600">
                 <a:solidFill>
                   <a:srgbClr val="FFFFFF"/>
@@ -5253,7 +5592,7 @@
 </p:sld>
 </file>
 
-<file path=ppt/slides/slide6.xml><?xml version="1.0" encoding="utf-8"?>
+<file path=ppt/slides/slide7.xml><?xml version="1.0" encoding="utf-8"?>
 <p:sld xmlns:a="http://schemas.openxmlformats.org/drawingml/2006/main" xmlns:r="http://schemas.openxmlformats.org/officeDocument/2006/relationships" xmlns:p="http://schemas.openxmlformats.org/presentationml/2006/main">
   <p:cSld>
     <p:bg>
@@ -5554,322 +5893,6 @@
     <p:extLst>
       <p:ext uri="{BB962C8B-B14F-4D97-AF65-F5344CB8AC3E}">
         <p14:creationId xmlns:p14="http://schemas.microsoft.com/office/powerpoint/2010/main" val="2642620691"/>
-      </p:ext>
-    </p:extLst>
-  </p:cSld>
-  <p:clrMapOvr>
-    <a:masterClrMapping/>
-  </p:clrMapOvr>
-</p:sld>
-</file>
-
-<file path=ppt/slides/slide7.xml><?xml version="1.0" encoding="utf-8"?>
-<p:sld xmlns:a="http://schemas.openxmlformats.org/drawingml/2006/main" xmlns:r="http://schemas.openxmlformats.org/officeDocument/2006/relationships" xmlns:p="http://schemas.openxmlformats.org/presentationml/2006/main">
-  <p:cSld>
-    <p:bg>
-      <p:bgPr>
-        <a:solidFill>
-          <a:schemeClr val="bg1">
-            <a:lumMod val="95000"/>
-          </a:schemeClr>
-        </a:solidFill>
-        <a:effectLst/>
-      </p:bgPr>
-    </p:bg>
-    <p:spTree>
-      <p:nvGrpSpPr>
-        <p:cNvPr id="1" name=""/>
-        <p:cNvGrpSpPr/>
-        <p:nvPr/>
-      </p:nvGrpSpPr>
-      <p:grpSpPr>
-        <a:xfrm>
-          <a:off x="0" y="0"/>
-          <a:ext cx="0" cy="0"/>
-          <a:chOff x="0" y="0"/>
-          <a:chExt cx="0" cy="0"/>
-        </a:xfrm>
-      </p:grpSpPr>
-      <p:sp>
-        <p:nvSpPr>
-          <p:cNvPr id="8" name="Rectangle 7">
-            <a:extLst>
-              <a:ext uri="{FF2B5EF4-FFF2-40B4-BE49-F238E27FC236}">
-                <a16:creationId xmlns:a16="http://schemas.microsoft.com/office/drawing/2014/main" id="{23530FE0-C542-45A1-BCD8-935787009C64}"/>
-              </a:ext>
-              <a:ext uri="{C183D7F6-B498-43B3-948B-1728B52AA6E4}">
-                <adec:decorative xmlns:adec="http://schemas.microsoft.com/office/drawing/2017/decorative" val="1"/>
-              </a:ext>
-            </a:extLst>
-          </p:cNvPr>
-          <p:cNvSpPr>
-            <a:spLocks noGrp="1" noRot="1" noChangeAspect="1" noMove="1" noResize="1" noEditPoints="1" noAdjustHandles="1" noChangeArrowheads="1" noChangeShapeType="1" noTextEdit="1"/>
-          </p:cNvSpPr>
-          <p:nvPr>
-            <p:extLst>
-              <p:ext uri="{386F3935-93C4-4BCD-93E2-E3B085C9AB24}">
-                <p16:designElem xmlns:p16="http://schemas.microsoft.com/office/powerpoint/2015/main" val="1"/>
-              </p:ext>
-            </p:extLst>
-          </p:nvPr>
-        </p:nvSpPr>
-        <p:spPr>
-          <a:xfrm>
-            <a:off x="643351" y="640080"/>
-            <a:ext cx="8924024" cy="5200996"/>
-          </a:xfrm>
-          <a:prstGeom prst="rect">
-            <a:avLst/>
-          </a:prstGeom>
-          <a:noFill/>
-          <a:ln w="31750" cap="sq">
-            <a:solidFill>
-              <a:srgbClr val="FFFFFF"/>
-            </a:solidFill>
-            <a:miter lim="800000"/>
-          </a:ln>
-        </p:spPr>
-        <p:style>
-          <a:lnRef idx="2">
-            <a:schemeClr val="accent1">
-              <a:shade val="50000"/>
-            </a:schemeClr>
-          </a:lnRef>
-          <a:fillRef idx="1">
-            <a:schemeClr val="accent1"/>
-          </a:fillRef>
-          <a:effectRef idx="0">
-            <a:schemeClr val="accent1"/>
-          </a:effectRef>
-          <a:fontRef idx="minor">
-            <a:schemeClr val="lt1"/>
-          </a:fontRef>
-        </p:style>
-        <p:txBody>
-          <a:bodyPr rtlCol="0" anchor="ctr"/>
-          <a:lstStyle/>
-          <a:p>
-            <a:pPr algn="ctr"/>
-            <a:endParaRPr lang="en-US" dirty="0"/>
-          </a:p>
-        </p:txBody>
-      </p:sp>
-      <p:sp>
-        <p:nvSpPr>
-          <p:cNvPr id="10" name="Rectangle 9">
-            <a:extLst>
-              <a:ext uri="{FF2B5EF4-FFF2-40B4-BE49-F238E27FC236}">
-                <a16:creationId xmlns:a16="http://schemas.microsoft.com/office/drawing/2014/main" id="{F2A658D9-F185-44F1-BA33-D50320D1D078}"/>
-              </a:ext>
-              <a:ext uri="{C183D7F6-B498-43B3-948B-1728B52AA6E4}">
-                <adec:decorative xmlns:adec="http://schemas.microsoft.com/office/drawing/2017/decorative" val="1"/>
-              </a:ext>
-            </a:extLst>
-          </p:cNvPr>
-          <p:cNvSpPr>
-            <a:spLocks noGrp="1" noRot="1" noChangeAspect="1" noMove="1" noResize="1" noEditPoints="1" noAdjustHandles="1" noChangeArrowheads="1" noChangeShapeType="1" noTextEdit="1"/>
-          </p:cNvSpPr>
-          <p:nvPr>
-            <p:extLst>
-              <p:ext uri="{386F3935-93C4-4BCD-93E2-E3B085C9AB24}">
-                <p16:designElem xmlns:p16="http://schemas.microsoft.com/office/powerpoint/2015/main" val="1"/>
-              </p:ext>
-            </p:extLst>
-          </p:nvPr>
-        </p:nvSpPr>
-        <p:spPr>
-          <a:xfrm>
-            <a:off x="830543" y="825096"/>
-            <a:ext cx="8549640" cy="4830965"/>
-          </a:xfrm>
-          <a:prstGeom prst="rect">
-            <a:avLst/>
-          </a:prstGeom>
-          <a:solidFill>
-            <a:srgbClr val="FFFFFF"/>
-          </a:solidFill>
-          <a:ln>
-            <a:noFill/>
-          </a:ln>
-        </p:spPr>
-        <p:style>
-          <a:lnRef idx="2">
-            <a:schemeClr val="accent1">
-              <a:shade val="50000"/>
-            </a:schemeClr>
-          </a:lnRef>
-          <a:fillRef idx="1">
-            <a:schemeClr val="accent1"/>
-          </a:fillRef>
-          <a:effectRef idx="0">
-            <a:schemeClr val="accent1"/>
-          </a:effectRef>
-          <a:fontRef idx="minor">
-            <a:schemeClr val="lt1"/>
-          </a:fontRef>
-        </p:style>
-        <p:txBody>
-          <a:bodyPr rtlCol="0" anchor="ctr"/>
-          <a:lstStyle/>
-          <a:p>
-            <a:pPr algn="ctr"/>
-            <a:endParaRPr lang="en-US"/>
-          </a:p>
-        </p:txBody>
-      </p:sp>
-      <p:sp>
-        <p:nvSpPr>
-          <p:cNvPr id="3" name="Content Placeholder 2">
-            <a:extLst>
-              <a:ext uri="{FF2B5EF4-FFF2-40B4-BE49-F238E27FC236}">
-                <a16:creationId xmlns:a16="http://schemas.microsoft.com/office/drawing/2014/main" id="{424C5C54-14EE-3F5F-DE41-85D860A8E4E6}"/>
-              </a:ext>
-            </a:extLst>
-          </p:cNvPr>
-          <p:cNvSpPr>
-            <a:spLocks noGrp="1"/>
-          </p:cNvSpPr>
-          <p:nvPr>
-            <p:ph idx="1"/>
-          </p:nvPr>
-        </p:nvSpPr>
-        <p:spPr>
-          <a:xfrm>
-            <a:off x="1316984" y="1283546"/>
-            <a:ext cx="5715917" cy="3914063"/>
-          </a:xfrm>
-        </p:spPr>
-        <p:txBody>
-          <a:bodyPr anchor="ctr">
-            <a:normAutofit/>
-          </a:bodyPr>
-          <a:lstStyle/>
-          <a:p>
-            <a:endParaRPr lang="en-US">
-              <a:solidFill>
-                <a:srgbClr val="404040"/>
-              </a:solidFill>
-            </a:endParaRPr>
-          </a:p>
-        </p:txBody>
-      </p:sp>
-      <p:sp>
-        <p:nvSpPr>
-          <p:cNvPr id="12" name="Oval 11">
-            <a:extLst>
-              <a:ext uri="{FF2B5EF4-FFF2-40B4-BE49-F238E27FC236}">
-                <a16:creationId xmlns:a16="http://schemas.microsoft.com/office/drawing/2014/main" id="{BAC87F6E-526A-49B5-995D-42DB656594C9}"/>
-              </a:ext>
-              <a:ext uri="{C183D7F6-B498-43B3-948B-1728B52AA6E4}">
-                <adec:decorative xmlns:adec="http://schemas.microsoft.com/office/drawing/2017/decorative" val="1"/>
-              </a:ext>
-            </a:extLst>
-          </p:cNvPr>
-          <p:cNvSpPr>
-            <a:spLocks noGrp="1" noRot="1" noChangeAspect="1" noMove="1" noResize="1" noEditPoints="1" noAdjustHandles="1" noChangeArrowheads="1" noChangeShapeType="1" noTextEdit="1"/>
-          </p:cNvSpPr>
-          <p:nvPr>
-            <p:extLst>
-              <p:ext uri="{386F3935-93C4-4BCD-93E2-E3B085C9AB24}">
-                <p16:designElem xmlns:p16="http://schemas.microsoft.com/office/powerpoint/2015/main" val="1"/>
-              </p:ext>
-            </p:extLst>
-          </p:nvPr>
-        </p:nvSpPr>
-        <p:spPr>
-          <a:xfrm>
-            <a:off x="7576718" y="1443035"/>
-            <a:ext cx="3971932" cy="3971930"/>
-          </a:xfrm>
-          <a:prstGeom prst="ellipse">
-            <a:avLst/>
-          </a:prstGeom>
-          <a:solidFill>
-            <a:srgbClr val="FFFFFF"/>
-          </a:solidFill>
-          <a:ln w="31750">
-            <a:solidFill>
-              <a:schemeClr val="accent2"/>
-            </a:solidFill>
-          </a:ln>
-        </p:spPr>
-        <p:style>
-          <a:lnRef idx="2">
-            <a:schemeClr val="accent1">
-              <a:shade val="50000"/>
-            </a:schemeClr>
-          </a:lnRef>
-          <a:fillRef idx="1">
-            <a:schemeClr val="accent1"/>
-          </a:fillRef>
-          <a:effectRef idx="0">
-            <a:schemeClr val="accent1"/>
-          </a:effectRef>
-          <a:fontRef idx="minor">
-            <a:schemeClr val="lt1"/>
-          </a:fontRef>
-        </p:style>
-        <p:txBody>
-          <a:bodyPr rtlCol="0" anchor="ctr"/>
-          <a:lstStyle/>
-          <a:p>
-            <a:pPr algn="ctr"/>
-            <a:endParaRPr lang="en-US"/>
-          </a:p>
-        </p:txBody>
-      </p:sp>
-      <p:sp>
-        <p:nvSpPr>
-          <p:cNvPr id="2" name="Title 1">
-            <a:extLst>
-              <a:ext uri="{FF2B5EF4-FFF2-40B4-BE49-F238E27FC236}">
-                <a16:creationId xmlns:a16="http://schemas.microsoft.com/office/drawing/2014/main" id="{CBFB7AD4-B50B-7CD0-A7C5-61C3A5C2BB59}"/>
-              </a:ext>
-            </a:extLst>
-          </p:cNvPr>
-          <p:cNvSpPr>
-            <a:spLocks noGrp="1"/>
-          </p:cNvSpPr>
-          <p:nvPr>
-            <p:ph type="title"/>
-          </p:nvPr>
-        </p:nvSpPr>
-        <p:spPr>
-          <a:xfrm>
-            <a:off x="7720168" y="1586484"/>
-            <a:ext cx="3685032" cy="3685032"/>
-          </a:xfrm>
-          <a:prstGeom prst="ellipse">
-            <a:avLst/>
-          </a:prstGeom>
-          <a:solidFill>
-            <a:schemeClr val="accent2"/>
-          </a:solidFill>
-          <a:ln>
-            <a:noFill/>
-          </a:ln>
-        </p:spPr>
-        <p:txBody>
-          <a:bodyPr>
-            <a:normAutofit/>
-          </a:bodyPr>
-          <a:lstStyle/>
-          <a:p>
-            <a:r>
-              <a:rPr lang="en-US" sz="3000" dirty="0">
-                <a:solidFill>
-                  <a:srgbClr val="FFFFFF"/>
-                </a:solidFill>
-              </a:rPr>
-              <a:t>Coding project remarks</a:t>
-            </a:r>
-          </a:p>
-        </p:txBody>
-      </p:sp>
-    </p:spTree>
-    <p:extLst>
-      <p:ext uri="{BB962C8B-B14F-4D97-AF65-F5344CB8AC3E}">
-        <p14:creationId xmlns:p14="http://schemas.microsoft.com/office/powerpoint/2010/main" val="1582476046"/>
       </p:ext>
     </p:extLst>
   </p:cSld>
@@ -5908,6 +5931,345 @@
       </p:grpSpPr>
       <p:sp>
         <p:nvSpPr>
+          <p:cNvPr id="8" name="Rectangle 7">
+            <a:extLst>
+              <a:ext uri="{FF2B5EF4-FFF2-40B4-BE49-F238E27FC236}">
+                <a16:creationId xmlns:a16="http://schemas.microsoft.com/office/drawing/2014/main" id="{23530FE0-C542-45A1-BCD8-935787009C64}"/>
+              </a:ext>
+              <a:ext uri="{C183D7F6-B498-43B3-948B-1728B52AA6E4}">
+                <adec:decorative xmlns:adec="http://schemas.microsoft.com/office/drawing/2017/decorative" val="1"/>
+              </a:ext>
+            </a:extLst>
+          </p:cNvPr>
+          <p:cNvSpPr>
+            <a:spLocks noGrp="1" noRot="1" noChangeAspect="1" noMove="1" noResize="1" noEditPoints="1" noAdjustHandles="1" noChangeArrowheads="1" noChangeShapeType="1" noTextEdit="1"/>
+          </p:cNvSpPr>
+          <p:nvPr>
+            <p:extLst>
+              <p:ext uri="{386F3935-93C4-4BCD-93E2-E3B085C9AB24}">
+                <p16:designElem xmlns:p16="http://schemas.microsoft.com/office/powerpoint/2015/main" val="1"/>
+              </p:ext>
+            </p:extLst>
+          </p:nvPr>
+        </p:nvSpPr>
+        <p:spPr>
+          <a:xfrm>
+            <a:off x="643351" y="640080"/>
+            <a:ext cx="8924024" cy="5200996"/>
+          </a:xfrm>
+          <a:prstGeom prst="rect">
+            <a:avLst/>
+          </a:prstGeom>
+          <a:noFill/>
+          <a:ln w="31750" cap="sq">
+            <a:solidFill>
+              <a:srgbClr val="FFFFFF"/>
+            </a:solidFill>
+            <a:miter lim="800000"/>
+          </a:ln>
+        </p:spPr>
+        <p:style>
+          <a:lnRef idx="2">
+            <a:schemeClr val="accent1">
+              <a:shade val="50000"/>
+            </a:schemeClr>
+          </a:lnRef>
+          <a:fillRef idx="1">
+            <a:schemeClr val="accent1"/>
+          </a:fillRef>
+          <a:effectRef idx="0">
+            <a:schemeClr val="accent1"/>
+          </a:effectRef>
+          <a:fontRef idx="minor">
+            <a:schemeClr val="lt1"/>
+          </a:fontRef>
+        </p:style>
+        <p:txBody>
+          <a:bodyPr rtlCol="0" anchor="ctr"/>
+          <a:lstStyle/>
+          <a:p>
+            <a:pPr algn="ctr"/>
+            <a:endParaRPr lang="en-US" dirty="0"/>
+          </a:p>
+        </p:txBody>
+      </p:sp>
+      <p:sp>
+        <p:nvSpPr>
+          <p:cNvPr id="10" name="Rectangle 9">
+            <a:extLst>
+              <a:ext uri="{FF2B5EF4-FFF2-40B4-BE49-F238E27FC236}">
+                <a16:creationId xmlns:a16="http://schemas.microsoft.com/office/drawing/2014/main" id="{F2A658D9-F185-44F1-BA33-D50320D1D078}"/>
+              </a:ext>
+              <a:ext uri="{C183D7F6-B498-43B3-948B-1728B52AA6E4}">
+                <adec:decorative xmlns:adec="http://schemas.microsoft.com/office/drawing/2017/decorative" val="1"/>
+              </a:ext>
+            </a:extLst>
+          </p:cNvPr>
+          <p:cNvSpPr>
+            <a:spLocks noGrp="1" noRot="1" noChangeAspect="1" noMove="1" noResize="1" noEditPoints="1" noAdjustHandles="1" noChangeArrowheads="1" noChangeShapeType="1" noTextEdit="1"/>
+          </p:cNvSpPr>
+          <p:nvPr>
+            <p:extLst>
+              <p:ext uri="{386F3935-93C4-4BCD-93E2-E3B085C9AB24}">
+                <p16:designElem xmlns:p16="http://schemas.microsoft.com/office/powerpoint/2015/main" val="1"/>
+              </p:ext>
+            </p:extLst>
+          </p:nvPr>
+        </p:nvSpPr>
+        <p:spPr>
+          <a:xfrm>
+            <a:off x="830543" y="825096"/>
+            <a:ext cx="8549640" cy="4830965"/>
+          </a:xfrm>
+          <a:prstGeom prst="rect">
+            <a:avLst/>
+          </a:prstGeom>
+          <a:solidFill>
+            <a:srgbClr val="FFFFFF"/>
+          </a:solidFill>
+          <a:ln>
+            <a:noFill/>
+          </a:ln>
+        </p:spPr>
+        <p:style>
+          <a:lnRef idx="2">
+            <a:schemeClr val="accent1">
+              <a:shade val="50000"/>
+            </a:schemeClr>
+          </a:lnRef>
+          <a:fillRef idx="1">
+            <a:schemeClr val="accent1"/>
+          </a:fillRef>
+          <a:effectRef idx="0">
+            <a:schemeClr val="accent1"/>
+          </a:effectRef>
+          <a:fontRef idx="minor">
+            <a:schemeClr val="lt1"/>
+          </a:fontRef>
+        </p:style>
+        <p:txBody>
+          <a:bodyPr rtlCol="0" anchor="ctr"/>
+          <a:lstStyle/>
+          <a:p>
+            <a:pPr algn="ctr"/>
+            <a:endParaRPr lang="en-US"/>
+          </a:p>
+        </p:txBody>
+      </p:sp>
+      <p:sp>
+        <p:nvSpPr>
+          <p:cNvPr id="3" name="Content Placeholder 2">
+            <a:extLst>
+              <a:ext uri="{FF2B5EF4-FFF2-40B4-BE49-F238E27FC236}">
+                <a16:creationId xmlns:a16="http://schemas.microsoft.com/office/drawing/2014/main" id="{424C5C54-14EE-3F5F-DE41-85D860A8E4E6}"/>
+              </a:ext>
+            </a:extLst>
+          </p:cNvPr>
+          <p:cNvSpPr>
+            <a:spLocks noGrp="1"/>
+          </p:cNvSpPr>
+          <p:nvPr>
+            <p:ph idx="1"/>
+          </p:nvPr>
+        </p:nvSpPr>
+        <p:spPr>
+          <a:xfrm>
+            <a:off x="1316984" y="1283546"/>
+            <a:ext cx="5715917" cy="3914063"/>
+          </a:xfrm>
+        </p:spPr>
+        <p:txBody>
+          <a:bodyPr anchor="ctr">
+            <a:normAutofit/>
+          </a:bodyPr>
+          <a:lstStyle/>
+          <a:p>
+            <a:r>
+              <a:rPr lang="en-US" dirty="0">
+                <a:solidFill>
+                  <a:srgbClr val="404040"/>
+                </a:solidFill>
+              </a:rPr>
+              <a:t>SQLite Database</a:t>
+            </a:r>
+          </a:p>
+          <a:p>
+            <a:r>
+              <a:rPr lang="en-US" dirty="0">
+                <a:solidFill>
+                  <a:srgbClr val="404040"/>
+                </a:solidFill>
+              </a:rPr>
+              <a:t>Into Flask-CORS</a:t>
+            </a:r>
+          </a:p>
+          <a:p>
+            <a:r>
+              <a:rPr lang="en-US" dirty="0">
+                <a:solidFill>
+                  <a:srgbClr val="404040"/>
+                </a:solidFill>
+              </a:rPr>
+              <a:t>D3.JS</a:t>
+            </a:r>
+          </a:p>
+        </p:txBody>
+      </p:sp>
+      <p:sp>
+        <p:nvSpPr>
+          <p:cNvPr id="12" name="Oval 11">
+            <a:extLst>
+              <a:ext uri="{FF2B5EF4-FFF2-40B4-BE49-F238E27FC236}">
+                <a16:creationId xmlns:a16="http://schemas.microsoft.com/office/drawing/2014/main" id="{BAC87F6E-526A-49B5-995D-42DB656594C9}"/>
+              </a:ext>
+              <a:ext uri="{C183D7F6-B498-43B3-948B-1728B52AA6E4}">
+                <adec:decorative xmlns:adec="http://schemas.microsoft.com/office/drawing/2017/decorative" val="1"/>
+              </a:ext>
+            </a:extLst>
+          </p:cNvPr>
+          <p:cNvSpPr>
+            <a:spLocks noGrp="1" noRot="1" noChangeAspect="1" noMove="1" noResize="1" noEditPoints="1" noAdjustHandles="1" noChangeArrowheads="1" noChangeShapeType="1" noTextEdit="1"/>
+          </p:cNvSpPr>
+          <p:nvPr>
+            <p:extLst>
+              <p:ext uri="{386F3935-93C4-4BCD-93E2-E3B085C9AB24}">
+                <p16:designElem xmlns:p16="http://schemas.microsoft.com/office/powerpoint/2015/main" val="1"/>
+              </p:ext>
+            </p:extLst>
+          </p:nvPr>
+        </p:nvSpPr>
+        <p:spPr>
+          <a:xfrm>
+            <a:off x="7576718" y="1443035"/>
+            <a:ext cx="3971932" cy="3971930"/>
+          </a:xfrm>
+          <a:prstGeom prst="ellipse">
+            <a:avLst/>
+          </a:prstGeom>
+          <a:solidFill>
+            <a:srgbClr val="FFFFFF"/>
+          </a:solidFill>
+          <a:ln w="31750">
+            <a:solidFill>
+              <a:schemeClr val="accent2"/>
+            </a:solidFill>
+          </a:ln>
+        </p:spPr>
+        <p:style>
+          <a:lnRef idx="2">
+            <a:schemeClr val="accent1">
+              <a:shade val="50000"/>
+            </a:schemeClr>
+          </a:lnRef>
+          <a:fillRef idx="1">
+            <a:schemeClr val="accent1"/>
+          </a:fillRef>
+          <a:effectRef idx="0">
+            <a:schemeClr val="accent1"/>
+          </a:effectRef>
+          <a:fontRef idx="minor">
+            <a:schemeClr val="lt1"/>
+          </a:fontRef>
+        </p:style>
+        <p:txBody>
+          <a:bodyPr rtlCol="0" anchor="ctr"/>
+          <a:lstStyle/>
+          <a:p>
+            <a:pPr algn="ctr"/>
+            <a:endParaRPr lang="en-US"/>
+          </a:p>
+        </p:txBody>
+      </p:sp>
+      <p:sp>
+        <p:nvSpPr>
+          <p:cNvPr id="2" name="Title 1">
+            <a:extLst>
+              <a:ext uri="{FF2B5EF4-FFF2-40B4-BE49-F238E27FC236}">
+                <a16:creationId xmlns:a16="http://schemas.microsoft.com/office/drawing/2014/main" id="{CBFB7AD4-B50B-7CD0-A7C5-61C3A5C2BB59}"/>
+              </a:ext>
+            </a:extLst>
+          </p:cNvPr>
+          <p:cNvSpPr>
+            <a:spLocks noGrp="1"/>
+          </p:cNvSpPr>
+          <p:nvPr>
+            <p:ph type="title"/>
+          </p:nvPr>
+        </p:nvSpPr>
+        <p:spPr>
+          <a:xfrm>
+            <a:off x="7720168" y="1586484"/>
+            <a:ext cx="3685032" cy="3685032"/>
+          </a:xfrm>
+          <a:prstGeom prst="ellipse">
+            <a:avLst/>
+          </a:prstGeom>
+          <a:solidFill>
+            <a:schemeClr val="accent2"/>
+          </a:solidFill>
+          <a:ln>
+            <a:noFill/>
+          </a:ln>
+        </p:spPr>
+        <p:txBody>
+          <a:bodyPr>
+            <a:normAutofit/>
+          </a:bodyPr>
+          <a:lstStyle/>
+          <a:p>
+            <a:r>
+              <a:rPr lang="en-US" sz="3000" dirty="0">
+                <a:solidFill>
+                  <a:srgbClr val="FFFFFF"/>
+                </a:solidFill>
+              </a:rPr>
+              <a:t>Coding project remarks</a:t>
+            </a:r>
+          </a:p>
+        </p:txBody>
+      </p:sp>
+    </p:spTree>
+    <p:extLst>
+      <p:ext uri="{BB962C8B-B14F-4D97-AF65-F5344CB8AC3E}">
+        <p14:creationId xmlns:p14="http://schemas.microsoft.com/office/powerpoint/2010/main" val="1582476046"/>
+      </p:ext>
+    </p:extLst>
+  </p:cSld>
+  <p:clrMapOvr>
+    <a:masterClrMapping/>
+  </p:clrMapOvr>
+</p:sld>
+</file>
+
+<file path=ppt/slides/slide9.xml><?xml version="1.0" encoding="utf-8"?>
+<p:sld xmlns:a="http://schemas.openxmlformats.org/drawingml/2006/main" xmlns:r="http://schemas.openxmlformats.org/officeDocument/2006/relationships" xmlns:p="http://schemas.openxmlformats.org/presentationml/2006/main">
+  <p:cSld>
+    <p:bg>
+      <p:bgPr>
+        <a:solidFill>
+          <a:schemeClr val="bg1">
+            <a:lumMod val="95000"/>
+          </a:schemeClr>
+        </a:solidFill>
+        <a:effectLst/>
+      </p:bgPr>
+    </p:bg>
+    <p:spTree>
+      <p:nvGrpSpPr>
+        <p:cNvPr id="1" name=""/>
+        <p:cNvGrpSpPr/>
+        <p:nvPr/>
+      </p:nvGrpSpPr>
+      <p:grpSpPr>
+        <a:xfrm>
+          <a:off x="0" y="0"/>
+          <a:ext cx="0" cy="0"/>
+          <a:chOff x="0" y="0"/>
+          <a:chExt cx="0" cy="0"/>
+        </a:xfrm>
+      </p:grpSpPr>
+      <p:sp>
+        <p:nvSpPr>
           <p:cNvPr id="13" name="Oval 7">
             <a:extLst>
               <a:ext uri="{FF2B5EF4-FFF2-40B4-BE49-F238E27FC236}">
@@ -6170,7 +6532,7 @@
         </p:spPr>
         <p:txBody>
           <a:bodyPr anchor="ctr">
-            <a:normAutofit/>
+            <a:normAutofit lnSpcReduction="10000"/>
           </a:bodyPr>
           <a:lstStyle/>
           <a:p>
@@ -6189,16 +6551,25 @@
                 <a:solidFill>
                   <a:srgbClr val="404040"/>
                 </a:solidFill>
+                <a:hlinkClick r:id="rId2"/>
               </a:rPr>
-              <a:t>https://</a:t>
-            </a:r>
-            <a:r>
-              <a:rPr lang="en-US" dirty="0" err="1">
+              <a:t>https://usafacts.org/data/topics/people-society/immigration/</a:t>
+            </a:r>
+            <a:endParaRPr lang="en-US" dirty="0">
+              <a:solidFill>
+                <a:srgbClr val="404040"/>
+              </a:solidFill>
+            </a:endParaRPr>
+          </a:p>
+          <a:p>
+            <a:r>
+              <a:rPr lang="en-US" dirty="0">
                 <a:solidFill>
                   <a:srgbClr val="404040"/>
                 </a:solidFill>
+                <a:hlinkClick r:id="rId3"/>
               </a:rPr>
-              <a:t>usafacts.org</a:t>
+              <a:t>https://www.dhs.gov/immigration-statistics/refugees-asylees</a:t>
             </a:r>
             <a:r>
               <a:rPr lang="en-US" dirty="0">
@@ -6206,8 +6577,37 @@
                   <a:srgbClr val="404040"/>
                 </a:solidFill>
               </a:rPr>
-              <a:t>/data/topics/people-society/immigration/</a:t>
-            </a:r>
+              <a:t> </a:t>
+            </a:r>
+          </a:p>
+          <a:p>
+            <a:r>
+              <a:rPr lang="en-US" b="0" i="0" u="none" strike="noStrike" dirty="0">
+                <a:effectLst/>
+                <a:latin typeface="Slack-Lato"/>
+                <a:hlinkClick r:id="rId4"/>
+              </a:rPr>
+              <a:t>https://www.cfr.org/timeline/us-postwar-immigration-policy</a:t>
+            </a:r>
+            <a:endParaRPr lang="en-US" b="0" i="0" u="none" strike="noStrike" dirty="0">
+              <a:effectLst/>
+              <a:latin typeface="Slack-Lato"/>
+            </a:endParaRPr>
+          </a:p>
+          <a:p>
+            <a:r>
+              <a:rPr lang="en-US" b="0" i="0" u="none" strike="noStrike" dirty="0">
+                <a:effectLst/>
+                <a:latin typeface="Slack-Lato"/>
+                <a:hlinkClick r:id="rId5"/>
+              </a:rPr>
+              <a:t>https://www.cfr.org/backgrounder/how-does-us-refugee-system-work-trump-biden-afghanistan?gclid=Cj0KCQjwkOqZBhDNARIsAACsbfKrKsvXmamp2Fe6quIkaAjem-jj9iEUJzhlOR_MhvuWwD5mFHAjrPYaAqFuEALw_wcB</a:t>
+            </a:r>
+            <a:endParaRPr lang="en-US" dirty="0">
+              <a:solidFill>
+                <a:srgbClr val="404040"/>
+              </a:solidFill>
+            </a:endParaRPr>
           </a:p>
         </p:txBody>
       </p:sp>

--- a/GrpProject3.pptx
+++ b/GrpProject3.pptx
@@ -5430,42 +5430,35 @@
           </a:p>
         </p:txBody>
       </p:sp>
-      <p:sp>
-        <p:nvSpPr>
-          <p:cNvPr id="3" name="Content Placeholder 2">
+      <p:pic>
+        <p:nvPicPr>
+          <p:cNvPr id="5" name="Content Placeholder 4" descr="Graphical user interface, application&#10;&#10;Description automatically generated">
             <a:extLst>
               <a:ext uri="{FF2B5EF4-FFF2-40B4-BE49-F238E27FC236}">
-                <a16:creationId xmlns:a16="http://schemas.microsoft.com/office/drawing/2014/main" id="{5E9E7ACD-C1E7-13F6-0204-BAA251CA24FB}"/>
+                <a16:creationId xmlns:a16="http://schemas.microsoft.com/office/drawing/2014/main" id="{1B562658-633C-1DAE-8CA6-CABB9D803EF6}"/>
               </a:ext>
             </a:extLst>
           </p:cNvPr>
-          <p:cNvSpPr>
-            <a:spLocks noGrp="1"/>
-          </p:cNvSpPr>
+          <p:cNvPicPr>
+            <a:picLocks noGrp="1" noChangeAspect="1"/>
+          </p:cNvPicPr>
           <p:nvPr>
             <p:ph idx="1"/>
           </p:nvPr>
-        </p:nvSpPr>
+        </p:nvPicPr>
+        <p:blipFill>
+          <a:blip r:embed="rId2"/>
+          <a:stretch>
+            <a:fillRect/>
+          </a:stretch>
+        </p:blipFill>
         <p:spPr>
           <a:xfrm>
-            <a:off x="1316984" y="1283546"/>
-            <a:ext cx="5715917" cy="3914063"/>
+            <a:off x="830543" y="2428883"/>
+            <a:ext cx="6651266" cy="1423604"/>
           </a:xfrm>
         </p:spPr>
-        <p:txBody>
-          <a:bodyPr anchor="ctr">
-            <a:normAutofit/>
-          </a:bodyPr>
-          <a:lstStyle/>
-          <a:p>
-            <a:endParaRPr lang="en-US">
-              <a:solidFill>
-                <a:srgbClr val="404040"/>
-              </a:solidFill>
-            </a:endParaRPr>
-          </a:p>
-        </p:txBody>
-      </p:sp>
+      </p:pic>
       <p:sp>
         <p:nvSpPr>
           <p:cNvPr id="21" name="Oval 20">
@@ -5857,38 +5850,35 @@
           </a:p>
         </p:txBody>
       </p:sp>
-      <p:sp>
-        <p:nvSpPr>
-          <p:cNvPr id="3" name="Content Placeholder 2">
+      <p:pic>
+        <p:nvPicPr>
+          <p:cNvPr id="5" name="Content Placeholder 4" descr="Chart, line chart&#10;&#10;Description automatically generated">
             <a:extLst>
               <a:ext uri="{FF2B5EF4-FFF2-40B4-BE49-F238E27FC236}">
-                <a16:creationId xmlns:a16="http://schemas.microsoft.com/office/drawing/2014/main" id="{30EFE633-4E99-EE64-97E7-B4A491693057}"/>
+                <a16:creationId xmlns:a16="http://schemas.microsoft.com/office/drawing/2014/main" id="{8B77711C-BF6E-CFC1-0785-0236069941AD}"/>
               </a:ext>
             </a:extLst>
           </p:cNvPr>
-          <p:cNvSpPr>
-            <a:spLocks noGrp="1"/>
-          </p:cNvSpPr>
+          <p:cNvPicPr>
+            <a:picLocks noGrp="1" noChangeAspect="1"/>
+          </p:cNvPicPr>
           <p:nvPr>
             <p:ph idx="1"/>
           </p:nvPr>
-        </p:nvSpPr>
+        </p:nvPicPr>
+        <p:blipFill>
+          <a:blip r:embed="rId2"/>
+          <a:stretch>
+            <a:fillRect/>
+          </a:stretch>
+        </p:blipFill>
         <p:spPr>
           <a:xfrm>
-            <a:off x="5591695" y="1402080"/>
-            <a:ext cx="5320696" cy="4053840"/>
+            <a:off x="5174901" y="885820"/>
+            <a:ext cx="7045339" cy="4529146"/>
           </a:xfrm>
         </p:spPr>
-        <p:txBody>
-          <a:bodyPr anchor="ctr">
-            <a:normAutofit/>
-          </a:bodyPr>
-          <a:lstStyle/>
-          <a:p>
-            <a:endParaRPr lang="en-US"/>
-          </a:p>
-        </p:txBody>
-      </p:sp>
+      </p:pic>
     </p:spTree>
     <p:extLst>
       <p:ext uri="{BB962C8B-B14F-4D97-AF65-F5344CB8AC3E}">

--- a/GrpProject3.pptx
+++ b/GrpProject3.pptx
@@ -4191,15 +4191,7 @@
           <a:p>
             <a:r>
               <a:rPr lang="en-US" dirty="0"/>
-              <a:t>This project examines U.S. immigration from 1990-2021, focusing on affirmative and defensive asylum seekers. Using a line graph, stacked </a:t>
-            </a:r>
-            <a:r>
-              <a:rPr lang="en-US" dirty="0" err="1"/>
-              <a:t>barchart</a:t>
-            </a:r>
-            <a:r>
-              <a:rPr lang="en-US" dirty="0"/>
-              <a:t>, and choropleth map, we can see that the numbers of people entering the U.S. seeking asylum are unexpectedly low. </a:t>
+              <a:t>This project examines U.S. immigration from 1990-2021, focusing on affirmative and defensive asylum seekers. Using a line graph, a grouped bar chart, and  complex line chart, we can see that the numbers of people entering the U.S. seeking asylum are unexpectedly low. </a:t>
             </a:r>
           </a:p>
         </p:txBody>

--- a/GrpProject3.pptx
+++ b/GrpProject3.pptx
@@ -4701,54 +4701,21 @@
           </a:p>
         </p:txBody>
       </p:sp>
-      <p:sp>
-        <p:nvSpPr>
-          <p:cNvPr id="3" name="Content Placeholder 2">
+      <p:pic>
+        <p:nvPicPr>
+          <p:cNvPr id="6" name="Content Placeholder 5" descr="Chart, line chart&#10;&#10;Description automatically generated">
             <a:extLst>
               <a:ext uri="{FF2B5EF4-FFF2-40B4-BE49-F238E27FC236}">
-                <a16:creationId xmlns:a16="http://schemas.microsoft.com/office/drawing/2014/main" id="{B87DD160-CB34-1E0C-7A72-5D58E76A7C56}"/>
-              </a:ext>
-            </a:extLst>
-          </p:cNvPr>
-          <p:cNvSpPr>
-            <a:spLocks noGrp="1"/>
-          </p:cNvSpPr>
-          <p:nvPr>
-            <p:ph idx="1"/>
-          </p:nvPr>
-        </p:nvSpPr>
-        <p:spPr>
-          <a:xfrm>
-            <a:off x="5591695" y="1402080"/>
-            <a:ext cx="5320696" cy="4053840"/>
-          </a:xfrm>
-        </p:spPr>
-        <p:txBody>
-          <a:bodyPr anchor="ctr">
-            <a:normAutofit/>
-          </a:bodyPr>
-          <a:lstStyle/>
-          <a:p>
-            <a:r>
-              <a:rPr lang="en-US" dirty="0"/>
-              <a:t>Insert table of refugee arrivals</a:t>
-            </a:r>
-          </a:p>
-        </p:txBody>
-      </p:sp>
-      <p:pic>
-        <p:nvPicPr>
-          <p:cNvPr id="5" name="Picture 4" descr="Chart, line chart&#10;&#10;Description automatically generated">
-            <a:extLst>
-              <a:ext uri="{FF2B5EF4-FFF2-40B4-BE49-F238E27FC236}">
-                <a16:creationId xmlns:a16="http://schemas.microsoft.com/office/drawing/2014/main" id="{94B627C3-ACA8-9B8B-D56B-ACF98608B046}"/>
+                <a16:creationId xmlns:a16="http://schemas.microsoft.com/office/drawing/2014/main" id="{2F7D890B-9CDD-CF03-459E-BB599D8588E6}"/>
               </a:ext>
             </a:extLst>
           </p:cNvPr>
           <p:cNvPicPr>
-            <a:picLocks noChangeAspect="1"/>
+            <a:picLocks noGrp="1" noChangeAspect="1"/>
           </p:cNvPicPr>
-          <p:nvPr/>
+          <p:nvPr>
+            <p:ph idx="1"/>
+          </p:nvPr>
         </p:nvPicPr>
         <p:blipFill>
           <a:blip r:embed="rId2"/>
@@ -4758,12 +4725,9 @@
         </p:blipFill>
         <p:spPr>
           <a:xfrm>
-            <a:off x="5591693" y="825197"/>
-            <a:ext cx="5482883" cy="4307702"/>
+            <a:off x="5375189" y="480368"/>
+            <a:ext cx="6127493" cy="6210296"/>
           </a:xfrm>
-          <a:prstGeom prst="rect">
-            <a:avLst/>
-          </a:prstGeom>
         </p:spPr>
       </p:pic>
     </p:spTree>
@@ -5844,10 +5808,10 @@
       </p:sp>
       <p:pic>
         <p:nvPicPr>
-          <p:cNvPr id="5" name="Content Placeholder 4" descr="Chart, line chart&#10;&#10;Description automatically generated">
+          <p:cNvPr id="7" name="Content Placeholder 6" descr="Chart, line chart&#10;&#10;Description automatically generated">
             <a:extLst>
               <a:ext uri="{FF2B5EF4-FFF2-40B4-BE49-F238E27FC236}">
-                <a16:creationId xmlns:a16="http://schemas.microsoft.com/office/drawing/2014/main" id="{8B77711C-BF6E-CFC1-0785-0236069941AD}"/>
+                <a16:creationId xmlns:a16="http://schemas.microsoft.com/office/drawing/2014/main" id="{6E71B7BE-953C-50DA-6BE8-315CE6EE1DF4}"/>
               </a:ext>
             </a:extLst>
           </p:cNvPr>
@@ -5866,8 +5830,8 @@
         </p:blipFill>
         <p:spPr>
           <a:xfrm>
-            <a:off x="5174901" y="885820"/>
-            <a:ext cx="7045339" cy="4529146"/>
+            <a:off x="5232805" y="764826"/>
+            <a:ext cx="7579541" cy="4872562"/>
           </a:xfrm>
         </p:spPr>
       </p:pic>
